--- a/docs/diagrams/StorageComponentClassDiagram.pptx
+++ b/docs/diagrams/StorageComponentClassDiagram.pptx
@@ -107,7 +107,372 @@
       </a:defRPr>
     </a:lvl9pPr>
   </p:defaultTextStyle>
+  <p:extLst>
+    <p:ext uri="{EFAFB233-063F-42B5-8137-9DF3F51BA10A}">
+      <p15:sldGuideLst xmlns:p15="http://schemas.microsoft.com/office/powerpoint/2012/main">
+        <p15:guide id="1" orient="horz" pos="1488">
+          <p15:clr>
+            <a:srgbClr val="A4A3A4"/>
+          </p15:clr>
+        </p15:guide>
+        <p15:guide id="2" pos="2880">
+          <p15:clr>
+            <a:srgbClr val="A4A3A4"/>
+          </p15:clr>
+        </p15:guide>
+      </p15:sldGuideLst>
+    </p:ext>
+  </p:extLst>
 </p:presentation>
+</file>
+
+<file path=ppt/revisionInfo.xml><?xml version="1.0" encoding="utf-8"?>
+<p1510:revInfo xmlns:a="http://schemas.openxmlformats.org/drawingml/2006/main" xmlns:r="http://schemas.openxmlformats.org/officeDocument/2006/relationships" xmlns:p1510="http://schemas.microsoft.com/office/powerpoint/2015/10/main">
+  <p1510:revLst>
+    <p1510:client id="{E98F4D69-3910-42B5-8F83-489B37FDB09D}" v="7" dt="2018-10-29T03:45:49.799"/>
+  </p1510:revLst>
+</p1510:revInfo>
+</file>
+
+<file path=ppt/changesInfos/changesInfo1.xml><?xml version="1.0" encoding="utf-8"?>
+<pc:chgInfo xmlns:a="http://schemas.openxmlformats.org/drawingml/2006/main" xmlns:r="http://schemas.openxmlformats.org/officeDocument/2006/relationships" xmlns:ac="http://schemas.microsoft.com/office/drawing/2013/main/command" xmlns:pc="http://schemas.microsoft.com/office/powerpoint/2013/main/command">
+  <pc:docChgLst>
+    <pc:chgData name="Zong Sien Ho" userId="03515f1a-cd05-4b48-bd07-e232f2fd8730" providerId="ADAL" clId="{E98F4D69-3910-42B5-8F83-489B37FDB09D}"/>
+    <pc:docChg chg="undo redo modSld">
+      <pc:chgData name="Zong Sien Ho" userId="03515f1a-cd05-4b48-bd07-e232f2fd8730" providerId="ADAL" clId="{E98F4D69-3910-42B5-8F83-489B37FDB09D}" dt="2018-10-29T03:45:58.709" v="165" actId="14100"/>
+      <pc:docMkLst>
+        <pc:docMk/>
+      </pc:docMkLst>
+      <pc:sldChg chg="addSp delSp modSp">
+        <pc:chgData name="Zong Sien Ho" userId="03515f1a-cd05-4b48-bd07-e232f2fd8730" providerId="ADAL" clId="{E98F4D69-3910-42B5-8F83-489B37FDB09D}" dt="2018-10-29T03:45:58.709" v="165" actId="14100"/>
+        <pc:sldMkLst>
+          <pc:docMk/>
+          <pc:sldMk cId="1478832369" sldId="264"/>
+        </pc:sldMkLst>
+        <pc:spChg chg="mod">
+          <ac:chgData name="Zong Sien Ho" userId="03515f1a-cd05-4b48-bd07-e232f2fd8730" providerId="ADAL" clId="{E98F4D69-3910-42B5-8F83-489B37FDB09D}" dt="2018-10-29T03:30:29.056" v="23" actId="20577"/>
+          <ac:spMkLst>
+            <pc:docMk/>
+            <pc:sldMk cId="1478832369" sldId="264"/>
+            <ac:spMk id="2" creationId="{00000000-0000-0000-0000-000000000000}"/>
+          </ac:spMkLst>
+        </pc:spChg>
+        <pc:spChg chg="mod">
+          <ac:chgData name="Zong Sien Ho" userId="03515f1a-cd05-4b48-bd07-e232f2fd8730" providerId="ADAL" clId="{E98F4D69-3910-42B5-8F83-489B37FDB09D}" dt="2018-10-29T03:30:13.791" v="0" actId="1076"/>
+          <ac:spMkLst>
+            <pc:docMk/>
+            <pc:sldMk cId="1478832369" sldId="264"/>
+            <ac:spMk id="9" creationId="{00000000-0000-0000-0000-000000000000}"/>
+          </ac:spMkLst>
+        </pc:spChg>
+        <pc:spChg chg="add del mod">
+          <ac:chgData name="Zong Sien Ho" userId="03515f1a-cd05-4b48-bd07-e232f2fd8730" providerId="ADAL" clId="{E98F4D69-3910-42B5-8F83-489B37FDB09D}" dt="2018-10-29T03:31:30.847" v="54"/>
+          <ac:spMkLst>
+            <pc:docMk/>
+            <pc:sldMk cId="1478832369" sldId="264"/>
+            <ac:spMk id="27" creationId="{08A6D129-AED0-461D-B2FB-8490E0D7E89A}"/>
+          </ac:spMkLst>
+        </pc:spChg>
+        <pc:spChg chg="add del mod">
+          <ac:chgData name="Zong Sien Ho" userId="03515f1a-cd05-4b48-bd07-e232f2fd8730" providerId="ADAL" clId="{E98F4D69-3910-42B5-8F83-489B37FDB09D}" dt="2018-10-29T03:31:30.847" v="54"/>
+          <ac:spMkLst>
+            <pc:docMk/>
+            <pc:sldMk cId="1478832369" sldId="264"/>
+            <ac:spMk id="29" creationId="{D50B65D2-B497-462E-A948-AA3732CD9343}"/>
+          </ac:spMkLst>
+        </pc:spChg>
+        <pc:spChg chg="add del mod">
+          <ac:chgData name="Zong Sien Ho" userId="03515f1a-cd05-4b48-bd07-e232f2fd8730" providerId="ADAL" clId="{E98F4D69-3910-42B5-8F83-489B37FDB09D}" dt="2018-10-29T03:31:30.847" v="54"/>
+          <ac:spMkLst>
+            <pc:docMk/>
+            <pc:sldMk cId="1478832369" sldId="264"/>
+            <ac:spMk id="30" creationId="{B5A16010-64A2-4859-9C5E-34C4819EEDAF}"/>
+          </ac:spMkLst>
+        </pc:spChg>
+        <pc:spChg chg="add mod">
+          <ac:chgData name="Zong Sien Ho" userId="03515f1a-cd05-4b48-bd07-e232f2fd8730" providerId="ADAL" clId="{E98F4D69-3910-42B5-8F83-489B37FDB09D}" dt="2018-10-29T03:44:57.571" v="153" actId="1076"/>
+          <ac:spMkLst>
+            <pc:docMk/>
+            <pc:sldMk cId="1478832369" sldId="264"/>
+            <ac:spMk id="33" creationId="{9B10FEF6-C013-42D9-9393-4BD17AAF6DBC}"/>
+          </ac:spMkLst>
+        </pc:spChg>
+        <pc:spChg chg="add mod">
+          <ac:chgData name="Zong Sien Ho" userId="03515f1a-cd05-4b48-bd07-e232f2fd8730" providerId="ADAL" clId="{E98F4D69-3910-42B5-8F83-489B37FDB09D}" dt="2018-10-29T03:44:57.571" v="153" actId="1076"/>
+          <ac:spMkLst>
+            <pc:docMk/>
+            <pc:sldMk cId="1478832369" sldId="264"/>
+            <ac:spMk id="34" creationId="{FE605C8E-720F-432D-808D-43E6C4E5FD1E}"/>
+          </ac:spMkLst>
+        </pc:spChg>
+        <pc:spChg chg="add mod">
+          <ac:chgData name="Zong Sien Ho" userId="03515f1a-cd05-4b48-bd07-e232f2fd8730" providerId="ADAL" clId="{E98F4D69-3910-42B5-8F83-489B37FDB09D}" dt="2018-10-29T03:45:37.676" v="160" actId="1076"/>
+          <ac:spMkLst>
+            <pc:docMk/>
+            <pc:sldMk cId="1478832369" sldId="264"/>
+            <ac:spMk id="35" creationId="{ECFDD217-6241-414F-82FA-8BDE09D7A0C5}"/>
+          </ac:spMkLst>
+        </pc:spChg>
+        <pc:spChg chg="add mod">
+          <ac:chgData name="Zong Sien Ho" userId="03515f1a-cd05-4b48-bd07-e232f2fd8730" providerId="ADAL" clId="{E98F4D69-3910-42B5-8F83-489B37FDB09D}" dt="2018-10-29T03:44:57.571" v="153" actId="1076"/>
+          <ac:spMkLst>
+            <pc:docMk/>
+            <pc:sldMk cId="1478832369" sldId="264"/>
+            <ac:spMk id="36" creationId="{F0FDCCAB-1A76-48AC-ADE6-AC347CEF4405}"/>
+          </ac:spMkLst>
+        </pc:spChg>
+        <pc:spChg chg="mod">
+          <ac:chgData name="Zong Sien Ho" userId="03515f1a-cd05-4b48-bd07-e232f2fd8730" providerId="ADAL" clId="{E98F4D69-3910-42B5-8F83-489B37FDB09D}" dt="2018-10-29T03:30:13.791" v="0" actId="1076"/>
+          <ac:spMkLst>
+            <pc:docMk/>
+            <pc:sldMk cId="1478832369" sldId="264"/>
+            <ac:spMk id="42" creationId="{00000000-0000-0000-0000-000000000000}"/>
+          </ac:spMkLst>
+        </pc:spChg>
+        <pc:spChg chg="add mod">
+          <ac:chgData name="Zong Sien Ho" userId="03515f1a-cd05-4b48-bd07-e232f2fd8730" providerId="ADAL" clId="{E98F4D69-3910-42B5-8F83-489B37FDB09D}" dt="2018-10-29T03:36:08.681" v="136" actId="1076"/>
+          <ac:spMkLst>
+            <pc:docMk/>
+            <pc:sldMk cId="1478832369" sldId="264"/>
+            <ac:spMk id="46" creationId="{FAFB94BA-85FD-41A7-9D1C-DD931A25F0E3}"/>
+          </ac:spMkLst>
+        </pc:spChg>
+        <pc:spChg chg="mod">
+          <ac:chgData name="Zong Sien Ho" userId="03515f1a-cd05-4b48-bd07-e232f2fd8730" providerId="ADAL" clId="{E98F4D69-3910-42B5-8F83-489B37FDB09D}" dt="2018-10-29T03:30:38.891" v="38" actId="20577"/>
+          <ac:spMkLst>
+            <pc:docMk/>
+            <pc:sldMk cId="1478832369" sldId="264"/>
+            <ac:spMk id="50" creationId="{00000000-0000-0000-0000-000000000000}"/>
+          </ac:spMkLst>
+        </pc:spChg>
+        <pc:spChg chg="mod">
+          <ac:chgData name="Zong Sien Ho" userId="03515f1a-cd05-4b48-bd07-e232f2fd8730" providerId="ADAL" clId="{E98F4D69-3910-42B5-8F83-489B37FDB09D}" dt="2018-10-29T03:30:13.791" v="0" actId="1076"/>
+          <ac:spMkLst>
+            <pc:docMk/>
+            <pc:sldMk cId="1478832369" sldId="264"/>
+            <ac:spMk id="52" creationId="{00000000-0000-0000-0000-000000000000}"/>
+          </ac:spMkLst>
+        </pc:spChg>
+        <pc:spChg chg="mod">
+          <ac:chgData name="Zong Sien Ho" userId="03515f1a-cd05-4b48-bd07-e232f2fd8730" providerId="ADAL" clId="{E98F4D69-3910-42B5-8F83-489B37FDB09D}" dt="2018-10-29T03:30:13.791" v="0" actId="1076"/>
+          <ac:spMkLst>
+            <pc:docMk/>
+            <pc:sldMk cId="1478832369" sldId="264"/>
+            <ac:spMk id="56" creationId="{00000000-0000-0000-0000-000000000000}"/>
+          </ac:spMkLst>
+        </pc:spChg>
+        <pc:spChg chg="mod">
+          <ac:chgData name="Zong Sien Ho" userId="03515f1a-cd05-4b48-bd07-e232f2fd8730" providerId="ADAL" clId="{E98F4D69-3910-42B5-8F83-489B37FDB09D}" dt="2018-10-29T03:30:13.791" v="0" actId="1076"/>
+          <ac:spMkLst>
+            <pc:docMk/>
+            <pc:sldMk cId="1478832369" sldId="264"/>
+            <ac:spMk id="61" creationId="{00000000-0000-0000-0000-000000000000}"/>
+          </ac:spMkLst>
+        </pc:spChg>
+        <pc:spChg chg="mod">
+          <ac:chgData name="Zong Sien Ho" userId="03515f1a-cd05-4b48-bd07-e232f2fd8730" providerId="ADAL" clId="{E98F4D69-3910-42B5-8F83-489B37FDB09D}" dt="2018-10-29T03:30:13.791" v="0" actId="1076"/>
+          <ac:spMkLst>
+            <pc:docMk/>
+            <pc:sldMk cId="1478832369" sldId="264"/>
+            <ac:spMk id="65" creationId="{00000000-0000-0000-0000-000000000000}"/>
+          </ac:spMkLst>
+        </pc:spChg>
+        <pc:spChg chg="mod">
+          <ac:chgData name="Zong Sien Ho" userId="03515f1a-cd05-4b48-bd07-e232f2fd8730" providerId="ADAL" clId="{E98F4D69-3910-42B5-8F83-489B37FDB09D}" dt="2018-10-29T03:31:32.886" v="56" actId="20577"/>
+          <ac:spMkLst>
+            <pc:docMk/>
+            <pc:sldMk cId="1478832369" sldId="264"/>
+            <ac:spMk id="66" creationId="{00000000-0000-0000-0000-000000000000}"/>
+          </ac:spMkLst>
+        </pc:spChg>
+        <pc:spChg chg="mod">
+          <ac:chgData name="Zong Sien Ho" userId="03515f1a-cd05-4b48-bd07-e232f2fd8730" providerId="ADAL" clId="{E98F4D69-3910-42B5-8F83-489B37FDB09D}" dt="2018-10-29T03:30:13.791" v="0" actId="1076"/>
+          <ac:spMkLst>
+            <pc:docMk/>
+            <pc:sldMk cId="1478832369" sldId="264"/>
+            <ac:spMk id="73" creationId="{00000000-0000-0000-0000-000000000000}"/>
+          </ac:spMkLst>
+        </pc:spChg>
+        <pc:spChg chg="mod">
+          <ac:chgData name="Zong Sien Ho" userId="03515f1a-cd05-4b48-bd07-e232f2fd8730" providerId="ADAL" clId="{E98F4D69-3910-42B5-8F83-489B37FDB09D}" dt="2018-10-29T03:44:26.446" v="150" actId="20577"/>
+          <ac:spMkLst>
+            <pc:docMk/>
+            <pc:sldMk cId="1478832369" sldId="264"/>
+            <ac:spMk id="74" creationId="{00000000-0000-0000-0000-000000000000}"/>
+          </ac:spMkLst>
+        </pc:spChg>
+        <pc:spChg chg="mod">
+          <ac:chgData name="Zong Sien Ho" userId="03515f1a-cd05-4b48-bd07-e232f2fd8730" providerId="ADAL" clId="{E98F4D69-3910-42B5-8F83-489B37FDB09D}" dt="2018-10-29T03:30:13.791" v="0" actId="1076"/>
+          <ac:spMkLst>
+            <pc:docMk/>
+            <pc:sldMk cId="1478832369" sldId="264"/>
+            <ac:spMk id="99" creationId="{00000000-0000-0000-0000-000000000000}"/>
+          </ac:spMkLst>
+        </pc:spChg>
+        <pc:spChg chg="mod">
+          <ac:chgData name="Zong Sien Ho" userId="03515f1a-cd05-4b48-bd07-e232f2fd8730" providerId="ADAL" clId="{E98F4D69-3910-42B5-8F83-489B37FDB09D}" dt="2018-10-29T03:44:47.507" v="152" actId="1076"/>
+          <ac:spMkLst>
+            <pc:docMk/>
+            <pc:sldMk cId="1478832369" sldId="264"/>
+            <ac:spMk id="118" creationId="{00000000-0000-0000-0000-000000000000}"/>
+          </ac:spMkLst>
+        </pc:spChg>
+        <pc:spChg chg="mod">
+          <ac:chgData name="Zong Sien Ho" userId="03515f1a-cd05-4b48-bd07-e232f2fd8730" providerId="ADAL" clId="{E98F4D69-3910-42B5-8F83-489B37FDB09D}" dt="2018-10-29T03:30:13.791" v="0" actId="1076"/>
+          <ac:spMkLst>
+            <pc:docMk/>
+            <pc:sldMk cId="1478832369" sldId="264"/>
+            <ac:spMk id="119" creationId="{00000000-0000-0000-0000-000000000000}"/>
+          </ac:spMkLst>
+        </pc:spChg>
+        <pc:spChg chg="mod">
+          <ac:chgData name="Zong Sien Ho" userId="03515f1a-cd05-4b48-bd07-e232f2fd8730" providerId="ADAL" clId="{E98F4D69-3910-42B5-8F83-489B37FDB09D}" dt="2018-10-29T03:30:13.791" v="0" actId="1076"/>
+          <ac:spMkLst>
+            <pc:docMk/>
+            <pc:sldMk cId="1478832369" sldId="264"/>
+            <ac:spMk id="120" creationId="{00000000-0000-0000-0000-000000000000}"/>
+          </ac:spMkLst>
+        </pc:spChg>
+        <pc:cxnChg chg="mod">
+          <ac:chgData name="Zong Sien Ho" userId="03515f1a-cd05-4b48-bd07-e232f2fd8730" providerId="ADAL" clId="{E98F4D69-3910-42B5-8F83-489B37FDB09D}" dt="2018-10-29T03:30:13.791" v="0" actId="1076"/>
+          <ac:cxnSpMkLst>
+            <pc:docMk/>
+            <pc:sldMk cId="1478832369" sldId="264"/>
+            <ac:cxnSpMk id="21" creationId="{00000000-0000-0000-0000-000000000000}"/>
+          </ac:cxnSpMkLst>
+        </pc:cxnChg>
+        <pc:cxnChg chg="add del mod">
+          <ac:chgData name="Zong Sien Ho" userId="03515f1a-cd05-4b48-bd07-e232f2fd8730" providerId="ADAL" clId="{E98F4D69-3910-42B5-8F83-489B37FDB09D}" dt="2018-10-29T03:31:30.847" v="54"/>
+          <ac:cxnSpMkLst>
+            <pc:docMk/>
+            <pc:sldMk cId="1478832369" sldId="264"/>
+            <ac:cxnSpMk id="26" creationId="{D3B64324-8E5E-4A60-A594-868273E85C63}"/>
+          </ac:cxnSpMkLst>
+        </pc:cxnChg>
+        <pc:cxnChg chg="add del mod">
+          <ac:chgData name="Zong Sien Ho" userId="03515f1a-cd05-4b48-bd07-e232f2fd8730" providerId="ADAL" clId="{E98F4D69-3910-42B5-8F83-489B37FDB09D}" dt="2018-10-29T03:31:30.847" v="54"/>
+          <ac:cxnSpMkLst>
+            <pc:docMk/>
+            <pc:sldMk cId="1478832369" sldId="264"/>
+            <ac:cxnSpMk id="28" creationId="{68CD8A0D-CA81-477F-B429-A68F42627E89}"/>
+          </ac:cxnSpMkLst>
+        </pc:cxnChg>
+        <pc:cxnChg chg="add del mod">
+          <ac:chgData name="Zong Sien Ho" userId="03515f1a-cd05-4b48-bd07-e232f2fd8730" providerId="ADAL" clId="{E98F4D69-3910-42B5-8F83-489B37FDB09D}" dt="2018-10-29T03:31:30.847" v="54"/>
+          <ac:cxnSpMkLst>
+            <pc:docMk/>
+            <pc:sldMk cId="1478832369" sldId="264"/>
+            <ac:cxnSpMk id="31" creationId="{8848D7F6-481C-456B-8D73-1D4AFB9047E0}"/>
+          </ac:cxnSpMkLst>
+        </pc:cxnChg>
+        <pc:cxnChg chg="add mod">
+          <ac:chgData name="Zong Sien Ho" userId="03515f1a-cd05-4b48-bd07-e232f2fd8730" providerId="ADAL" clId="{E98F4D69-3910-42B5-8F83-489B37FDB09D}" dt="2018-10-29T03:44:57.571" v="153" actId="1076"/>
+          <ac:cxnSpMkLst>
+            <pc:docMk/>
+            <pc:sldMk cId="1478832369" sldId="264"/>
+            <ac:cxnSpMk id="32" creationId="{75B3BA35-99CA-498A-A045-EBC920836383}"/>
+          </ac:cxnSpMkLst>
+        </pc:cxnChg>
+        <pc:cxnChg chg="add mod">
+          <ac:chgData name="Zong Sien Ho" userId="03515f1a-cd05-4b48-bd07-e232f2fd8730" providerId="ADAL" clId="{E98F4D69-3910-42B5-8F83-489B37FDB09D}" dt="2018-10-29T03:44:57.571" v="153" actId="1076"/>
+          <ac:cxnSpMkLst>
+            <pc:docMk/>
+            <pc:sldMk cId="1478832369" sldId="264"/>
+            <ac:cxnSpMk id="37" creationId="{A4DC2391-8AF2-4DC4-B036-FFBD8CC79F17}"/>
+          </ac:cxnSpMkLst>
+        </pc:cxnChg>
+        <pc:cxnChg chg="add mod">
+          <ac:chgData name="Zong Sien Ho" userId="03515f1a-cd05-4b48-bd07-e232f2fd8730" providerId="ADAL" clId="{E98F4D69-3910-42B5-8F83-489B37FDB09D}" dt="2018-10-29T03:45:41.313" v="161" actId="14100"/>
+          <ac:cxnSpMkLst>
+            <pc:docMk/>
+            <pc:sldMk cId="1478832369" sldId="264"/>
+            <ac:cxnSpMk id="38" creationId="{9BECF648-40AC-42EF-9621-82C93FB5758B}"/>
+          </ac:cxnSpMkLst>
+        </pc:cxnChg>
+        <pc:cxnChg chg="add mod">
+          <ac:chgData name="Zong Sien Ho" userId="03515f1a-cd05-4b48-bd07-e232f2fd8730" providerId="ADAL" clId="{E98F4D69-3910-42B5-8F83-489B37FDB09D}" dt="2018-10-29T03:45:58.709" v="165" actId="14100"/>
+          <ac:cxnSpMkLst>
+            <pc:docMk/>
+            <pc:sldMk cId="1478832369" sldId="264"/>
+            <ac:cxnSpMk id="41" creationId="{1276D566-A73D-44A1-BAB6-019A5FD8C2C0}"/>
+          </ac:cxnSpMkLst>
+        </pc:cxnChg>
+        <pc:cxnChg chg="add mod">
+          <ac:chgData name="Zong Sien Ho" userId="03515f1a-cd05-4b48-bd07-e232f2fd8730" providerId="ADAL" clId="{E98F4D69-3910-42B5-8F83-489B37FDB09D}" dt="2018-10-29T03:44:57.571" v="153" actId="1076"/>
+          <ac:cxnSpMkLst>
+            <pc:docMk/>
+            <pc:sldMk cId="1478832369" sldId="264"/>
+            <ac:cxnSpMk id="47" creationId="{A3FEEEFF-4A08-41BE-8330-29B74AD7C952}"/>
+          </ac:cxnSpMkLst>
+        </pc:cxnChg>
+        <pc:cxnChg chg="mod">
+          <ac:chgData name="Zong Sien Ho" userId="03515f1a-cd05-4b48-bd07-e232f2fd8730" providerId="ADAL" clId="{E98F4D69-3910-42B5-8F83-489B37FDB09D}" dt="2018-10-29T03:30:13.791" v="0" actId="1076"/>
+          <ac:cxnSpMkLst>
+            <pc:docMk/>
+            <pc:sldMk cId="1478832369" sldId="264"/>
+            <ac:cxnSpMk id="54" creationId="{00000000-0000-0000-0000-000000000000}"/>
+          </ac:cxnSpMkLst>
+        </pc:cxnChg>
+        <pc:cxnChg chg="mod">
+          <ac:chgData name="Zong Sien Ho" userId="03515f1a-cd05-4b48-bd07-e232f2fd8730" providerId="ADAL" clId="{E98F4D69-3910-42B5-8F83-489B37FDB09D}" dt="2018-10-29T03:30:13.791" v="0" actId="1076"/>
+          <ac:cxnSpMkLst>
+            <pc:docMk/>
+            <pc:sldMk cId="1478832369" sldId="264"/>
+            <ac:cxnSpMk id="58" creationId="{00000000-0000-0000-0000-000000000000}"/>
+          </ac:cxnSpMkLst>
+        </pc:cxnChg>
+        <pc:cxnChg chg="mod">
+          <ac:chgData name="Zong Sien Ho" userId="03515f1a-cd05-4b48-bd07-e232f2fd8730" providerId="ADAL" clId="{E98F4D69-3910-42B5-8F83-489B37FDB09D}" dt="2018-10-29T03:30:13.791" v="0" actId="1076"/>
+          <ac:cxnSpMkLst>
+            <pc:docMk/>
+            <pc:sldMk cId="1478832369" sldId="264"/>
+            <ac:cxnSpMk id="60" creationId="{00000000-0000-0000-0000-000000000000}"/>
+          </ac:cxnSpMkLst>
+        </pc:cxnChg>
+        <pc:cxnChg chg="mod">
+          <ac:chgData name="Zong Sien Ho" userId="03515f1a-cd05-4b48-bd07-e232f2fd8730" providerId="ADAL" clId="{E98F4D69-3910-42B5-8F83-489B37FDB09D}" dt="2018-10-29T03:30:13.791" v="0" actId="1076"/>
+          <ac:cxnSpMkLst>
+            <pc:docMk/>
+            <pc:sldMk cId="1478832369" sldId="264"/>
+            <ac:cxnSpMk id="70" creationId="{00000000-0000-0000-0000-000000000000}"/>
+          </ac:cxnSpMkLst>
+        </pc:cxnChg>
+        <pc:cxnChg chg="mod">
+          <ac:chgData name="Zong Sien Ho" userId="03515f1a-cd05-4b48-bd07-e232f2fd8730" providerId="ADAL" clId="{E98F4D69-3910-42B5-8F83-489B37FDB09D}" dt="2018-10-29T03:30:13.791" v="0" actId="1076"/>
+          <ac:cxnSpMkLst>
+            <pc:docMk/>
+            <pc:sldMk cId="1478832369" sldId="264"/>
+            <ac:cxnSpMk id="75" creationId="{00000000-0000-0000-0000-000000000000}"/>
+          </ac:cxnSpMkLst>
+        </pc:cxnChg>
+        <pc:cxnChg chg="mod">
+          <ac:chgData name="Zong Sien Ho" userId="03515f1a-cd05-4b48-bd07-e232f2fd8730" providerId="ADAL" clId="{E98F4D69-3910-42B5-8F83-489B37FDB09D}" dt="2018-10-29T03:30:13.791" v="0" actId="1076"/>
+          <ac:cxnSpMkLst>
+            <pc:docMk/>
+            <pc:sldMk cId="1478832369" sldId="264"/>
+            <ac:cxnSpMk id="77" creationId="{00000000-0000-0000-0000-000000000000}"/>
+          </ac:cxnSpMkLst>
+        </pc:cxnChg>
+        <pc:cxnChg chg="mod">
+          <ac:chgData name="Zong Sien Ho" userId="03515f1a-cd05-4b48-bd07-e232f2fd8730" providerId="ADAL" clId="{E98F4D69-3910-42B5-8F83-489B37FDB09D}" dt="2018-10-29T03:30:13.791" v="0" actId="1076"/>
+          <ac:cxnSpMkLst>
+            <pc:docMk/>
+            <pc:sldMk cId="1478832369" sldId="264"/>
+            <ac:cxnSpMk id="97" creationId="{00000000-0000-0000-0000-000000000000}"/>
+          </ac:cxnSpMkLst>
+        </pc:cxnChg>
+        <pc:cxnChg chg="mod">
+          <ac:chgData name="Zong Sien Ho" userId="03515f1a-cd05-4b48-bd07-e232f2fd8730" providerId="ADAL" clId="{E98F4D69-3910-42B5-8F83-489B37FDB09D}" dt="2018-10-29T03:30:13.791" v="0" actId="1076"/>
+          <ac:cxnSpMkLst>
+            <pc:docMk/>
+            <pc:sldMk cId="1478832369" sldId="264"/>
+            <ac:cxnSpMk id="124" creationId="{00000000-0000-0000-0000-000000000000}"/>
+          </ac:cxnSpMkLst>
+        </pc:cxnChg>
+      </pc:sldChg>
+    </pc:docChg>
+  </pc:docChgLst>
+</pc:chgInfo>
 </file>
 
 <file path=ppt/notesMasters/notesMaster1.xml><?xml version="1.0" encoding="utf-8"?>
@@ -192,7 +557,7 @@
           <a:p>
             <a:fld id="{F5CC4B3F-88C1-4FFA-B1B6-F41C21DC6924}" type="datetimeFigureOut">
               <a:rPr lang="en-US" smtClean="0"/>
-              <a:t>10/16/2016</a:t>
+              <a:t>10/29/2018</a:t>
             </a:fld>
             <a:endParaRPr lang="en-US"/>
           </a:p>
@@ -256,38 +621,37 @@
           <a:p>
             <a:pPr lvl="0"/>
             <a:r>
-              <a:rPr lang="en-US" smtClean="0"/>
+              <a:rPr lang="en-US"/>
               <a:t>Click to edit Master text styles</a:t>
             </a:r>
           </a:p>
           <a:p>
             <a:pPr lvl="1"/>
             <a:r>
-              <a:rPr lang="en-US" smtClean="0"/>
+              <a:rPr lang="en-US"/>
               <a:t>Second level</a:t>
             </a:r>
           </a:p>
           <a:p>
             <a:pPr lvl="2"/>
             <a:r>
-              <a:rPr lang="en-US" smtClean="0"/>
+              <a:rPr lang="en-US"/>
               <a:t>Third level</a:t>
             </a:r>
           </a:p>
           <a:p>
             <a:pPr lvl="3"/>
             <a:r>
-              <a:rPr lang="en-US" smtClean="0"/>
+              <a:rPr lang="en-US"/>
               <a:t>Fourth level</a:t>
             </a:r>
           </a:p>
           <a:p>
             <a:pPr lvl="4"/>
             <a:r>
-              <a:rPr lang="en-US" smtClean="0"/>
+              <a:rPr lang="en-US"/>
               <a:t>Fifth level</a:t>
             </a:r>
-            <a:endParaRPr lang="en-US"/>
           </a:p>
         </p:txBody>
       </p:sp>
@@ -498,10 +862,9 @@
           <a:lstStyle/>
           <a:p>
             <a:r>
-              <a:rPr lang="en-US" smtClean="0"/>
+              <a:rPr lang="en-US"/>
               <a:t>Click to edit Master title style</a:t>
             </a:r>
-            <a:endParaRPr lang="en-US"/>
           </a:p>
         </p:txBody>
       </p:sp>
@@ -617,10 +980,9 @@
           </a:lstStyle>
           <a:p>
             <a:r>
-              <a:rPr lang="en-US" smtClean="0"/>
+              <a:rPr lang="en-US"/>
               <a:t>Click to edit Master subtitle style</a:t>
             </a:r>
-            <a:endParaRPr lang="en-US"/>
           </a:p>
         </p:txBody>
       </p:sp>
@@ -641,7 +1003,7 @@
           <a:p>
             <a:fld id="{78C97017-6FC3-485B-9764-EAC9E56C1D49}" type="datetimeFigureOut">
               <a:rPr lang="en-US" smtClean="0"/>
-              <a:t>10/16/2016</a:t>
+              <a:t>10/29/2018</a:t>
             </a:fld>
             <a:endParaRPr lang="en-US"/>
           </a:p>
@@ -735,10 +1097,9 @@
           <a:lstStyle/>
           <a:p>
             <a:r>
-              <a:rPr lang="en-US" smtClean="0"/>
+              <a:rPr lang="en-US"/>
               <a:t>Click to edit Master title style</a:t>
             </a:r>
-            <a:endParaRPr lang="en-US"/>
           </a:p>
         </p:txBody>
       </p:sp>
@@ -759,38 +1120,37 @@
           <a:p>
             <a:pPr lvl="0"/>
             <a:r>
-              <a:rPr lang="en-US" smtClean="0"/>
+              <a:rPr lang="en-US"/>
               <a:t>Click to edit Master text styles</a:t>
             </a:r>
           </a:p>
           <a:p>
             <a:pPr lvl="1"/>
             <a:r>
-              <a:rPr lang="en-US" smtClean="0"/>
+              <a:rPr lang="en-US"/>
               <a:t>Second level</a:t>
             </a:r>
           </a:p>
           <a:p>
             <a:pPr lvl="2"/>
             <a:r>
-              <a:rPr lang="en-US" smtClean="0"/>
+              <a:rPr lang="en-US"/>
               <a:t>Third level</a:t>
             </a:r>
           </a:p>
           <a:p>
             <a:pPr lvl="3"/>
             <a:r>
-              <a:rPr lang="en-US" smtClean="0"/>
+              <a:rPr lang="en-US"/>
               <a:t>Fourth level</a:t>
             </a:r>
           </a:p>
           <a:p>
             <a:pPr lvl="4"/>
             <a:r>
-              <a:rPr lang="en-US" smtClean="0"/>
+              <a:rPr lang="en-US"/>
               <a:t>Fifth level</a:t>
             </a:r>
-            <a:endParaRPr lang="en-US"/>
           </a:p>
         </p:txBody>
       </p:sp>
@@ -811,7 +1171,7 @@
           <a:p>
             <a:fld id="{78C97017-6FC3-485B-9764-EAC9E56C1D49}" type="datetimeFigureOut">
               <a:rPr lang="en-US" smtClean="0"/>
-              <a:t>10/16/2016</a:t>
+              <a:t>10/29/2018</a:t>
             </a:fld>
             <a:endParaRPr lang="en-US"/>
           </a:p>
@@ -910,10 +1270,9 @@
           <a:lstStyle/>
           <a:p>
             <a:r>
-              <a:rPr lang="en-US" smtClean="0"/>
+              <a:rPr lang="en-US"/>
               <a:t>Click to edit Master title style</a:t>
             </a:r>
-            <a:endParaRPr lang="en-US"/>
           </a:p>
         </p:txBody>
       </p:sp>
@@ -939,38 +1298,37 @@
           <a:p>
             <a:pPr lvl="0"/>
             <a:r>
-              <a:rPr lang="en-US" smtClean="0"/>
+              <a:rPr lang="en-US"/>
               <a:t>Click to edit Master text styles</a:t>
             </a:r>
           </a:p>
           <a:p>
             <a:pPr lvl="1"/>
             <a:r>
-              <a:rPr lang="en-US" smtClean="0"/>
+              <a:rPr lang="en-US"/>
               <a:t>Second level</a:t>
             </a:r>
           </a:p>
           <a:p>
             <a:pPr lvl="2"/>
             <a:r>
-              <a:rPr lang="en-US" smtClean="0"/>
+              <a:rPr lang="en-US"/>
               <a:t>Third level</a:t>
             </a:r>
           </a:p>
           <a:p>
             <a:pPr lvl="3"/>
             <a:r>
-              <a:rPr lang="en-US" smtClean="0"/>
+              <a:rPr lang="en-US"/>
               <a:t>Fourth level</a:t>
             </a:r>
           </a:p>
           <a:p>
             <a:pPr lvl="4"/>
             <a:r>
-              <a:rPr lang="en-US" smtClean="0"/>
+              <a:rPr lang="en-US"/>
               <a:t>Fifth level</a:t>
             </a:r>
-            <a:endParaRPr lang="en-US"/>
           </a:p>
         </p:txBody>
       </p:sp>
@@ -991,7 +1349,7 @@
           <a:p>
             <a:fld id="{78C97017-6FC3-485B-9764-EAC9E56C1D49}" type="datetimeFigureOut">
               <a:rPr lang="en-US" smtClean="0"/>
-              <a:t>10/16/2016</a:t>
+              <a:t>10/29/2018</a:t>
             </a:fld>
             <a:endParaRPr lang="en-US"/>
           </a:p>
@@ -1085,10 +1443,9 @@
           <a:lstStyle/>
           <a:p>
             <a:r>
-              <a:rPr lang="en-US" smtClean="0"/>
+              <a:rPr lang="en-US"/>
               <a:t>Click to edit Master title style</a:t>
             </a:r>
-            <a:endParaRPr lang="en-US"/>
           </a:p>
         </p:txBody>
       </p:sp>
@@ -1109,38 +1466,37 @@
           <a:p>
             <a:pPr lvl="0"/>
             <a:r>
-              <a:rPr lang="en-US" smtClean="0"/>
+              <a:rPr lang="en-US"/>
               <a:t>Click to edit Master text styles</a:t>
             </a:r>
           </a:p>
           <a:p>
             <a:pPr lvl="1"/>
             <a:r>
-              <a:rPr lang="en-US" smtClean="0"/>
+              <a:rPr lang="en-US"/>
               <a:t>Second level</a:t>
             </a:r>
           </a:p>
           <a:p>
             <a:pPr lvl="2"/>
             <a:r>
-              <a:rPr lang="en-US" smtClean="0"/>
+              <a:rPr lang="en-US"/>
               <a:t>Third level</a:t>
             </a:r>
           </a:p>
           <a:p>
             <a:pPr lvl="3"/>
             <a:r>
-              <a:rPr lang="en-US" smtClean="0"/>
+              <a:rPr lang="en-US"/>
               <a:t>Fourth level</a:t>
             </a:r>
           </a:p>
           <a:p>
             <a:pPr lvl="4"/>
             <a:r>
-              <a:rPr lang="en-US" smtClean="0"/>
+              <a:rPr lang="en-US"/>
               <a:t>Fifth level</a:t>
             </a:r>
-            <a:endParaRPr lang="en-US"/>
           </a:p>
         </p:txBody>
       </p:sp>
@@ -1161,7 +1517,7 @@
           <a:p>
             <a:fld id="{78C97017-6FC3-485B-9764-EAC9E56C1D49}" type="datetimeFigureOut">
               <a:rPr lang="en-US" smtClean="0"/>
-              <a:t>10/16/2016</a:t>
+              <a:t>10/29/2018</a:t>
             </a:fld>
             <a:endParaRPr lang="en-US"/>
           </a:p>
@@ -1264,10 +1620,9 @@
           </a:lstStyle>
           <a:p>
             <a:r>
-              <a:rPr lang="en-US" smtClean="0"/>
+              <a:rPr lang="en-US"/>
               <a:t>Click to edit Master title style</a:t>
             </a:r>
-            <a:endParaRPr lang="en-US"/>
           </a:p>
         </p:txBody>
       </p:sp>
@@ -1384,7 +1739,7 @@
           <a:p>
             <a:pPr lvl="0"/>
             <a:r>
-              <a:rPr lang="en-US" smtClean="0"/>
+              <a:rPr lang="en-US"/>
               <a:t>Click to edit Master text styles</a:t>
             </a:r>
           </a:p>
@@ -1407,7 +1762,7 @@
           <a:p>
             <a:fld id="{78C97017-6FC3-485B-9764-EAC9E56C1D49}" type="datetimeFigureOut">
               <a:rPr lang="en-US" smtClean="0"/>
-              <a:t>10/16/2016</a:t>
+              <a:t>10/29/2018</a:t>
             </a:fld>
             <a:endParaRPr lang="en-US"/>
           </a:p>
@@ -1501,10 +1856,9 @@
           <a:lstStyle/>
           <a:p>
             <a:r>
-              <a:rPr lang="en-US" smtClean="0"/>
+              <a:rPr lang="en-US"/>
               <a:t>Click to edit Master title style</a:t>
             </a:r>
-            <a:endParaRPr lang="en-US"/>
           </a:p>
         </p:txBody>
       </p:sp>
@@ -1558,38 +1912,37 @@
           <a:p>
             <a:pPr lvl="0"/>
             <a:r>
-              <a:rPr lang="en-US" smtClean="0"/>
+              <a:rPr lang="en-US"/>
               <a:t>Click to edit Master text styles</a:t>
             </a:r>
           </a:p>
           <a:p>
             <a:pPr lvl="1"/>
             <a:r>
-              <a:rPr lang="en-US" smtClean="0"/>
+              <a:rPr lang="en-US"/>
               <a:t>Second level</a:t>
             </a:r>
           </a:p>
           <a:p>
             <a:pPr lvl="2"/>
             <a:r>
-              <a:rPr lang="en-US" smtClean="0"/>
+              <a:rPr lang="en-US"/>
               <a:t>Third level</a:t>
             </a:r>
           </a:p>
           <a:p>
             <a:pPr lvl="3"/>
             <a:r>
-              <a:rPr lang="en-US" smtClean="0"/>
+              <a:rPr lang="en-US"/>
               <a:t>Fourth level</a:t>
             </a:r>
           </a:p>
           <a:p>
             <a:pPr lvl="4"/>
             <a:r>
-              <a:rPr lang="en-US" smtClean="0"/>
+              <a:rPr lang="en-US"/>
               <a:t>Fifth level</a:t>
             </a:r>
-            <a:endParaRPr lang="en-US"/>
           </a:p>
         </p:txBody>
       </p:sp>
@@ -1643,38 +1996,37 @@
           <a:p>
             <a:pPr lvl="0"/>
             <a:r>
-              <a:rPr lang="en-US" smtClean="0"/>
+              <a:rPr lang="en-US"/>
               <a:t>Click to edit Master text styles</a:t>
             </a:r>
           </a:p>
           <a:p>
             <a:pPr lvl="1"/>
             <a:r>
-              <a:rPr lang="en-US" smtClean="0"/>
+              <a:rPr lang="en-US"/>
               <a:t>Second level</a:t>
             </a:r>
           </a:p>
           <a:p>
             <a:pPr lvl="2"/>
             <a:r>
-              <a:rPr lang="en-US" smtClean="0"/>
+              <a:rPr lang="en-US"/>
               <a:t>Third level</a:t>
             </a:r>
           </a:p>
           <a:p>
             <a:pPr lvl="3"/>
             <a:r>
-              <a:rPr lang="en-US" smtClean="0"/>
+              <a:rPr lang="en-US"/>
               <a:t>Fourth level</a:t>
             </a:r>
           </a:p>
           <a:p>
             <a:pPr lvl="4"/>
             <a:r>
-              <a:rPr lang="en-US" smtClean="0"/>
+              <a:rPr lang="en-US"/>
               <a:t>Fifth level</a:t>
             </a:r>
-            <a:endParaRPr lang="en-US"/>
           </a:p>
         </p:txBody>
       </p:sp>
@@ -1695,7 +2047,7 @@
           <a:p>
             <a:fld id="{78C97017-6FC3-485B-9764-EAC9E56C1D49}" type="datetimeFigureOut">
               <a:rPr lang="en-US" smtClean="0"/>
-              <a:t>10/16/2016</a:t>
+              <a:t>10/29/2018</a:t>
             </a:fld>
             <a:endParaRPr lang="en-US"/>
           </a:p>
@@ -1793,10 +2145,9 @@
           </a:lstStyle>
           <a:p>
             <a:r>
-              <a:rPr lang="en-US" smtClean="0"/>
+              <a:rPr lang="en-US"/>
               <a:t>Click to edit Master title style</a:t>
             </a:r>
-            <a:endParaRPr lang="en-US"/>
           </a:p>
         </p:txBody>
       </p:sp>
@@ -1859,7 +2210,7 @@
           <a:p>
             <a:pPr lvl="0"/>
             <a:r>
-              <a:rPr lang="en-US" smtClean="0"/>
+              <a:rPr lang="en-US"/>
               <a:t>Click to edit Master text styles</a:t>
             </a:r>
           </a:p>
@@ -1915,38 +2266,37 @@
           <a:p>
             <a:pPr lvl="0"/>
             <a:r>
-              <a:rPr lang="en-US" smtClean="0"/>
+              <a:rPr lang="en-US"/>
               <a:t>Click to edit Master text styles</a:t>
             </a:r>
           </a:p>
           <a:p>
             <a:pPr lvl="1"/>
             <a:r>
-              <a:rPr lang="en-US" smtClean="0"/>
+              <a:rPr lang="en-US"/>
               <a:t>Second level</a:t>
             </a:r>
           </a:p>
           <a:p>
             <a:pPr lvl="2"/>
             <a:r>
-              <a:rPr lang="en-US" smtClean="0"/>
+              <a:rPr lang="en-US"/>
               <a:t>Third level</a:t>
             </a:r>
           </a:p>
           <a:p>
             <a:pPr lvl="3"/>
             <a:r>
-              <a:rPr lang="en-US" smtClean="0"/>
+              <a:rPr lang="en-US"/>
               <a:t>Fourth level</a:t>
             </a:r>
           </a:p>
           <a:p>
             <a:pPr lvl="4"/>
             <a:r>
-              <a:rPr lang="en-US" smtClean="0"/>
+              <a:rPr lang="en-US"/>
               <a:t>Fifth level</a:t>
             </a:r>
-            <a:endParaRPr lang="en-US"/>
           </a:p>
         </p:txBody>
       </p:sp>
@@ -2009,7 +2359,7 @@
           <a:p>
             <a:pPr lvl="0"/>
             <a:r>
-              <a:rPr lang="en-US" smtClean="0"/>
+              <a:rPr lang="en-US"/>
               <a:t>Click to edit Master text styles</a:t>
             </a:r>
           </a:p>
@@ -2065,38 +2415,37 @@
           <a:p>
             <a:pPr lvl="0"/>
             <a:r>
-              <a:rPr lang="en-US" smtClean="0"/>
+              <a:rPr lang="en-US"/>
               <a:t>Click to edit Master text styles</a:t>
             </a:r>
           </a:p>
           <a:p>
             <a:pPr lvl="1"/>
             <a:r>
-              <a:rPr lang="en-US" smtClean="0"/>
+              <a:rPr lang="en-US"/>
               <a:t>Second level</a:t>
             </a:r>
           </a:p>
           <a:p>
             <a:pPr lvl="2"/>
             <a:r>
-              <a:rPr lang="en-US" smtClean="0"/>
+              <a:rPr lang="en-US"/>
               <a:t>Third level</a:t>
             </a:r>
           </a:p>
           <a:p>
             <a:pPr lvl="3"/>
             <a:r>
-              <a:rPr lang="en-US" smtClean="0"/>
+              <a:rPr lang="en-US"/>
               <a:t>Fourth level</a:t>
             </a:r>
           </a:p>
           <a:p>
             <a:pPr lvl="4"/>
             <a:r>
-              <a:rPr lang="en-US" smtClean="0"/>
+              <a:rPr lang="en-US"/>
               <a:t>Fifth level</a:t>
             </a:r>
-            <a:endParaRPr lang="en-US"/>
           </a:p>
         </p:txBody>
       </p:sp>
@@ -2117,7 +2466,7 @@
           <a:p>
             <a:fld id="{78C97017-6FC3-485B-9764-EAC9E56C1D49}" type="datetimeFigureOut">
               <a:rPr lang="en-US" smtClean="0"/>
-              <a:t>10/16/2016</a:t>
+              <a:t>10/29/2018</a:t>
             </a:fld>
             <a:endParaRPr lang="en-US"/>
           </a:p>
@@ -2211,10 +2560,9 @@
           <a:lstStyle/>
           <a:p>
             <a:r>
-              <a:rPr lang="en-US" smtClean="0"/>
+              <a:rPr lang="en-US"/>
               <a:t>Click to edit Master title style</a:t>
             </a:r>
-            <a:endParaRPr lang="en-US"/>
           </a:p>
         </p:txBody>
       </p:sp>
@@ -2235,7 +2583,7 @@
           <a:p>
             <a:fld id="{78C97017-6FC3-485B-9764-EAC9E56C1D49}" type="datetimeFigureOut">
               <a:rPr lang="en-US" smtClean="0"/>
-              <a:t>10/16/2016</a:t>
+              <a:t>10/29/2018</a:t>
             </a:fld>
             <a:endParaRPr lang="en-US"/>
           </a:p>
@@ -2330,7 +2678,7 @@
           <a:p>
             <a:fld id="{78C97017-6FC3-485B-9764-EAC9E56C1D49}" type="datetimeFigureOut">
               <a:rPr lang="en-US" smtClean="0"/>
-              <a:t>10/16/2016</a:t>
+              <a:t>10/29/2018</a:t>
             </a:fld>
             <a:endParaRPr lang="en-US"/>
           </a:p>
@@ -2433,10 +2781,9 @@
           </a:lstStyle>
           <a:p>
             <a:r>
-              <a:rPr lang="en-US" smtClean="0"/>
+              <a:rPr lang="en-US"/>
               <a:t>Click to edit Master title style</a:t>
             </a:r>
-            <a:endParaRPr lang="en-US"/>
           </a:p>
         </p:txBody>
       </p:sp>
@@ -2490,38 +2837,37 @@
           <a:p>
             <a:pPr lvl="0"/>
             <a:r>
-              <a:rPr lang="en-US" smtClean="0"/>
+              <a:rPr lang="en-US"/>
               <a:t>Click to edit Master text styles</a:t>
             </a:r>
           </a:p>
           <a:p>
             <a:pPr lvl="1"/>
             <a:r>
-              <a:rPr lang="en-US" smtClean="0"/>
+              <a:rPr lang="en-US"/>
               <a:t>Second level</a:t>
             </a:r>
           </a:p>
           <a:p>
             <a:pPr lvl="2"/>
             <a:r>
-              <a:rPr lang="en-US" smtClean="0"/>
+              <a:rPr lang="en-US"/>
               <a:t>Third level</a:t>
             </a:r>
           </a:p>
           <a:p>
             <a:pPr lvl="3"/>
             <a:r>
-              <a:rPr lang="en-US" smtClean="0"/>
+              <a:rPr lang="en-US"/>
               <a:t>Fourth level</a:t>
             </a:r>
           </a:p>
           <a:p>
             <a:pPr lvl="4"/>
             <a:r>
-              <a:rPr lang="en-US" smtClean="0"/>
+              <a:rPr lang="en-US"/>
               <a:t>Fifth level</a:t>
             </a:r>
-            <a:endParaRPr lang="en-US"/>
           </a:p>
         </p:txBody>
       </p:sp>
@@ -2584,7 +2930,7 @@
           <a:p>
             <a:pPr lvl="0"/>
             <a:r>
-              <a:rPr lang="en-US" smtClean="0"/>
+              <a:rPr lang="en-US"/>
               <a:t>Click to edit Master text styles</a:t>
             </a:r>
           </a:p>
@@ -2607,7 +2953,7 @@
           <a:p>
             <a:fld id="{78C97017-6FC3-485B-9764-EAC9E56C1D49}" type="datetimeFigureOut">
               <a:rPr lang="en-US" smtClean="0"/>
-              <a:t>10/16/2016</a:t>
+              <a:t>10/29/2018</a:t>
             </a:fld>
             <a:endParaRPr lang="en-US"/>
           </a:p>
@@ -2710,10 +3056,9 @@
           </a:lstStyle>
           <a:p>
             <a:r>
-              <a:rPr lang="en-US" smtClean="0"/>
+              <a:rPr lang="en-US"/>
               <a:t>Click to edit Master title style</a:t>
             </a:r>
-            <a:endParaRPr lang="en-US"/>
           </a:p>
         </p:txBody>
       </p:sp>
@@ -2837,7 +3182,7 @@
           <a:p>
             <a:pPr lvl="0"/>
             <a:r>
-              <a:rPr lang="en-US" smtClean="0"/>
+              <a:rPr lang="en-US"/>
               <a:t>Click to edit Master text styles</a:t>
             </a:r>
           </a:p>
@@ -2860,7 +3205,7 @@
           <a:p>
             <a:fld id="{78C97017-6FC3-485B-9764-EAC9E56C1D49}" type="datetimeFigureOut">
               <a:rPr lang="en-US" smtClean="0"/>
-              <a:t>10/16/2016</a:t>
+              <a:t>10/29/2018</a:t>
             </a:fld>
             <a:endParaRPr lang="en-US"/>
           </a:p>
@@ -2969,10 +3314,9 @@
           <a:lstStyle/>
           <a:p>
             <a:r>
-              <a:rPr lang="en-US" smtClean="0"/>
+              <a:rPr lang="en-US"/>
               <a:t>Click to edit Master title style</a:t>
             </a:r>
-            <a:endParaRPr lang="en-US"/>
           </a:p>
         </p:txBody>
       </p:sp>
@@ -3003,38 +3347,37 @@
           <a:p>
             <a:pPr lvl="0"/>
             <a:r>
-              <a:rPr lang="en-US" smtClean="0"/>
+              <a:rPr lang="en-US"/>
               <a:t>Click to edit Master text styles</a:t>
             </a:r>
           </a:p>
           <a:p>
             <a:pPr lvl="1"/>
             <a:r>
-              <a:rPr lang="en-US" smtClean="0"/>
+              <a:rPr lang="en-US"/>
               <a:t>Second level</a:t>
             </a:r>
           </a:p>
           <a:p>
             <a:pPr lvl="2"/>
             <a:r>
-              <a:rPr lang="en-US" smtClean="0"/>
+              <a:rPr lang="en-US"/>
               <a:t>Third level</a:t>
             </a:r>
           </a:p>
           <a:p>
             <a:pPr lvl="3"/>
             <a:r>
-              <a:rPr lang="en-US" smtClean="0"/>
+              <a:rPr lang="en-US"/>
               <a:t>Fourth level</a:t>
             </a:r>
           </a:p>
           <a:p>
             <a:pPr lvl="4"/>
             <a:r>
-              <a:rPr lang="en-US" smtClean="0"/>
+              <a:rPr lang="en-US"/>
               <a:t>Fifth level</a:t>
             </a:r>
-            <a:endParaRPr lang="en-US"/>
           </a:p>
         </p:txBody>
       </p:sp>
@@ -3073,7 +3416,7 @@
           <a:p>
             <a:fld id="{78C97017-6FC3-485B-9764-EAC9E56C1D49}" type="datetimeFigureOut">
               <a:rPr lang="en-US" smtClean="0"/>
-              <a:t>10/16/2016</a:t>
+              <a:t>10/29/2018</a:t>
             </a:fld>
             <a:endParaRPr lang="en-US"/>
           </a:p>
@@ -3456,8 +3799,8 @@
         </p:nvSpPr>
         <p:spPr>
           <a:xfrm>
-            <a:off x="1119865" y="2086382"/>
-            <a:ext cx="7871735" cy="1723618"/>
+            <a:off x="533401" y="2057400"/>
+            <a:ext cx="7867426" cy="3045140"/>
           </a:xfrm>
           <a:prstGeom prst="roundRect">
             <a:avLst>
@@ -3494,7 +3837,7 @@
           <a:lstStyle/>
           <a:p>
             <a:r>
-              <a:rPr lang="en-US" sz="1200" b="1" dirty="0" smtClean="0">
+              <a:rPr lang="en-US" sz="1200" b="1" dirty="0">
                 <a:solidFill>
                   <a:schemeClr val="accent6">
                     <a:lumMod val="75000"/>
@@ -3521,7 +3864,7 @@
         </p:nvSpPr>
         <p:spPr>
           <a:xfrm>
-            <a:off x="2877180" y="3158440"/>
+            <a:off x="2290715" y="3129458"/>
             <a:ext cx="1323049" cy="346760"/>
           </a:xfrm>
           <a:prstGeom prst="rect">
@@ -3561,7 +3904,7 @@
           <a:p>
             <a:pPr algn="ctr"/>
             <a:r>
-              <a:rPr lang="en-US" sz="1050" dirty="0" smtClean="0">
+              <a:rPr lang="en-US" sz="1050" dirty="0">
                 <a:solidFill>
                   <a:schemeClr val="bg1"/>
                 </a:solidFill>
@@ -3569,19 +3912,19 @@
               <a:t>&lt;&lt;interface&gt;&gt;</a:t>
             </a:r>
             <a:br>
-              <a:rPr lang="en-US" sz="1050" dirty="0" smtClean="0">
+              <a:rPr lang="en-US" sz="1050" dirty="0">
                 <a:solidFill>
                   <a:schemeClr val="bg1"/>
                 </a:solidFill>
               </a:rPr>
             </a:br>
             <a:r>
-              <a:rPr lang="en-US" sz="1050" dirty="0" err="1" smtClean="0">
+              <a:rPr lang="en-US" sz="1050" dirty="0" err="1">
                 <a:solidFill>
                   <a:schemeClr val="bg1"/>
                 </a:solidFill>
               </a:rPr>
-              <a:t>AddressBookStorage</a:t>
+              <a:t>TriviaBundleStorage</a:t>
             </a:r>
             <a:endParaRPr lang="en-SG" sz="1050" dirty="0">
               <a:solidFill>
@@ -3599,7 +3942,7 @@
         </p:nvSpPr>
         <p:spPr>
           <a:xfrm rot="16200000">
-            <a:off x="1683963" y="2868687"/>
+            <a:off x="1097498" y="2839705"/>
             <a:ext cx="1093635" cy="346760"/>
           </a:xfrm>
           <a:prstGeom prst="rect">
@@ -3639,7 +3982,7 @@
           <a:p>
             <a:pPr algn="ctr"/>
             <a:r>
-              <a:rPr lang="en-US" sz="1050" dirty="0" err="1" smtClean="0">
+              <a:rPr lang="en-US" sz="1050" dirty="0" err="1">
                 <a:solidFill>
                   <a:schemeClr val="bg1"/>
                 </a:solidFill>
@@ -3662,7 +4005,7 @@
         </p:nvSpPr>
         <p:spPr>
           <a:xfrm rot="16200000">
-            <a:off x="956202" y="2861202"/>
+            <a:off x="369737" y="2832220"/>
             <a:ext cx="1093635" cy="346760"/>
           </a:xfrm>
           <a:prstGeom prst="rect">
@@ -3713,7 +4056,7 @@
           <a:p>
             <a:pPr algn="ctr"/>
             <a:r>
-              <a:rPr lang="en-US" sz="1050" dirty="0" smtClean="0">
+              <a:rPr lang="en-US" sz="1050" dirty="0">
                 <a:solidFill>
                   <a:schemeClr val="bg1"/>
                 </a:solidFill>
@@ -3736,7 +4079,7 @@
         </p:nvSpPr>
         <p:spPr>
           <a:xfrm rot="16200000">
-            <a:off x="1626910" y="2952291"/>
+            <a:off x="1040445" y="2923309"/>
             <a:ext cx="270504" cy="175523"/>
           </a:xfrm>
           <a:prstGeom prst="triangle">
@@ -3794,7 +4137,7 @@
         </p:nvCxnSpPr>
         <p:spPr>
           <a:xfrm>
-            <a:off x="2656370" y="3326536"/>
+            <a:off x="2069905" y="3297554"/>
             <a:ext cx="220810" cy="5284"/>
           </a:xfrm>
           <a:prstGeom prst="straightConnector1">
@@ -3834,7 +4177,7 @@
         </p:nvCxnSpPr>
         <p:spPr>
           <a:xfrm>
-            <a:off x="910091" y="3040053"/>
+            <a:off x="323626" y="3011071"/>
             <a:ext cx="419548" cy="2860"/>
           </a:xfrm>
           <a:prstGeom prst="bentConnector3">
@@ -3879,7 +4222,7 @@
         </p:nvCxnSpPr>
         <p:spPr>
           <a:xfrm flipV="1">
-            <a:off x="1849924" y="3040052"/>
+            <a:off x="1263459" y="3011070"/>
             <a:ext cx="216105" cy="1"/>
           </a:xfrm>
           <a:prstGeom prst="line">
@@ -3920,7 +4263,7 @@
         </p:nvSpPr>
         <p:spPr>
           <a:xfrm>
-            <a:off x="2420322" y="3239846"/>
+            <a:off x="1833857" y="3210864"/>
             <a:ext cx="236048" cy="173380"/>
           </a:xfrm>
           <a:prstGeom prst="flowChartDecision">
@@ -3974,7 +4317,7 @@
         </p:nvCxnSpPr>
         <p:spPr>
           <a:xfrm flipV="1">
-            <a:off x="4398041" y="3331820"/>
+            <a:off x="3811576" y="3302838"/>
             <a:ext cx="223324" cy="1"/>
           </a:xfrm>
           <a:prstGeom prst="bentConnector3">
@@ -4017,7 +4360,7 @@
         </p:nvSpPr>
         <p:spPr>
           <a:xfrm rot="5400000" flipV="1">
-            <a:off x="4175027" y="3244059"/>
+            <a:off x="3588562" y="3215077"/>
             <a:ext cx="270504" cy="175523"/>
           </a:xfrm>
           <a:prstGeom prst="triangle">
@@ -4075,7 +4418,7 @@
         </p:nvCxnSpPr>
         <p:spPr>
           <a:xfrm>
-            <a:off x="5791200" y="3331820"/>
+            <a:off x="5204735" y="3302838"/>
             <a:ext cx="228600" cy="1970"/>
           </a:xfrm>
           <a:prstGeom prst="bentConnector3">
@@ -4118,7 +4461,7 @@
         </p:nvSpPr>
         <p:spPr>
           <a:xfrm>
-            <a:off x="4621365" y="3158440"/>
+            <a:off x="4034900" y="3129458"/>
             <a:ext cx="1169835" cy="346760"/>
           </a:xfrm>
           <a:prstGeom prst="rect">
@@ -4147,27 +4490,17 @@
           <a:p>
             <a:pPr algn="ctr"/>
             <a:r>
-              <a:rPr lang="en-US" sz="1050" b="1" dirty="0" err="1" smtClean="0">
+              <a:rPr lang="en-US" sz="1050" b="1" dirty="0" err="1">
                 <a:solidFill>
                   <a:schemeClr val="accent6">
                     <a:lumMod val="75000"/>
                   </a:schemeClr>
                 </a:solidFill>
               </a:rPr>
-              <a:t>XmlAddressBook</a:t>
-            </a:r>
-            <a:r>
-              <a:rPr lang="en-US" sz="1050" b="1" dirty="0" smtClean="0">
-                <a:solidFill>
-                  <a:schemeClr val="accent6">
-                    <a:lumMod val="75000"/>
-                  </a:schemeClr>
-                </a:solidFill>
-              </a:rPr>
-              <a:t/>
+              <a:t>XmlTriviaBundle</a:t>
             </a:r>
             <a:br>
-              <a:rPr lang="en-US" sz="1050" b="1" dirty="0" smtClean="0">
+              <a:rPr lang="en-US" sz="1050" b="1" dirty="0">
                 <a:solidFill>
                   <a:schemeClr val="accent6">
                     <a:lumMod val="75000"/>
@@ -4176,7 +4509,7 @@
               </a:rPr>
             </a:br>
             <a:r>
-              <a:rPr lang="en-US" sz="1050" b="1" dirty="0" smtClean="0">
+              <a:rPr lang="en-US" sz="1050" b="1" dirty="0">
                 <a:solidFill>
                   <a:schemeClr val="accent6">
                     <a:lumMod val="75000"/>
@@ -4203,7 +4536,7 @@
         </p:nvSpPr>
         <p:spPr>
           <a:xfrm>
-            <a:off x="2873943" y="2558040"/>
+            <a:off x="2287478" y="2529058"/>
             <a:ext cx="1323049" cy="346760"/>
           </a:xfrm>
           <a:prstGeom prst="rect">
@@ -4243,7 +4576,7 @@
           <a:p>
             <a:pPr algn="ctr"/>
             <a:r>
-              <a:rPr lang="en-US" sz="1050" dirty="0" smtClean="0">
+              <a:rPr lang="en-US" sz="1050" dirty="0">
                 <a:solidFill>
                   <a:schemeClr val="bg1"/>
                 </a:solidFill>
@@ -4251,14 +4584,14 @@
               <a:t>&lt;&lt;interface&gt;&gt;</a:t>
             </a:r>
             <a:br>
-              <a:rPr lang="en-US" sz="1050" dirty="0" smtClean="0">
+              <a:rPr lang="en-US" sz="1050" dirty="0">
                 <a:solidFill>
                   <a:schemeClr val="bg1"/>
                 </a:solidFill>
               </a:rPr>
             </a:br>
             <a:r>
-              <a:rPr lang="en-US" sz="1050" dirty="0" err="1" smtClean="0">
+              <a:rPr lang="en-US" sz="1050" dirty="0" err="1">
                 <a:solidFill>
                   <a:schemeClr val="bg1"/>
                 </a:solidFill>
@@ -4284,7 +4617,7 @@
         </p:nvCxnSpPr>
         <p:spPr>
           <a:xfrm>
-            <a:off x="2653133" y="2726136"/>
+            <a:off x="2066668" y="2697154"/>
             <a:ext cx="220810" cy="5284"/>
           </a:xfrm>
           <a:prstGeom prst="straightConnector1">
@@ -4324,7 +4657,7 @@
         </p:nvSpPr>
         <p:spPr>
           <a:xfrm>
-            <a:off x="2417085" y="2639446"/>
+            <a:off x="1830620" y="2610464"/>
             <a:ext cx="236048" cy="173380"/>
           </a:xfrm>
           <a:prstGeom prst="flowChartDecision">
@@ -4378,7 +4711,7 @@
         </p:nvCxnSpPr>
         <p:spPr>
           <a:xfrm flipV="1">
-            <a:off x="4394804" y="2731420"/>
+            <a:off x="3808339" y="2702438"/>
             <a:ext cx="223324" cy="1"/>
           </a:xfrm>
           <a:prstGeom prst="bentConnector3">
@@ -4421,7 +4754,7 @@
         </p:nvSpPr>
         <p:spPr>
           <a:xfrm rot="5400000" flipV="1">
-            <a:off x="4171790" y="2643659"/>
+            <a:off x="3585325" y="2614677"/>
             <a:ext cx="270504" cy="175523"/>
           </a:xfrm>
           <a:prstGeom prst="triangle">
@@ -4476,7 +4809,7 @@
         </p:nvSpPr>
         <p:spPr>
           <a:xfrm>
-            <a:off x="4618128" y="2558040"/>
+            <a:off x="4031663" y="2529058"/>
             <a:ext cx="1093635" cy="346760"/>
           </a:xfrm>
           <a:prstGeom prst="rect">
@@ -4516,30 +4849,22 @@
           <a:p>
             <a:pPr algn="ctr"/>
             <a:r>
-              <a:rPr lang="en-US" sz="1050" dirty="0" err="1" smtClean="0">
+              <a:rPr lang="en-US" sz="1050" dirty="0" err="1">
                 <a:solidFill>
                   <a:schemeClr val="bg1"/>
                 </a:solidFill>
               </a:rPr>
               <a:t>JsonUserPrefs</a:t>
             </a:r>
-            <a:r>
-              <a:rPr lang="en-US" sz="1050" dirty="0" smtClean="0">
-                <a:solidFill>
-                  <a:schemeClr val="bg1"/>
-                </a:solidFill>
-              </a:rPr>
-              <a:t/>
-            </a:r>
             <a:br>
-              <a:rPr lang="en-US" sz="1050" dirty="0" smtClean="0">
+              <a:rPr lang="en-US" sz="1050" dirty="0">
                 <a:solidFill>
                   <a:schemeClr val="bg1"/>
                 </a:solidFill>
               </a:rPr>
             </a:br>
             <a:r>
-              <a:rPr lang="en-US" sz="1050" dirty="0" smtClean="0">
+              <a:rPr lang="en-US" sz="1050" dirty="0">
                 <a:solidFill>
                   <a:schemeClr val="bg1"/>
                 </a:solidFill>
@@ -4562,7 +4887,7 @@
         </p:nvSpPr>
         <p:spPr>
           <a:xfrm>
-            <a:off x="6019800" y="3160410"/>
+            <a:off x="5433335" y="3131428"/>
             <a:ext cx="1200707" cy="346760"/>
           </a:xfrm>
           <a:prstGeom prst="rect">
@@ -4591,7 +4916,7 @@
           <a:p>
             <a:pPr algn="ctr"/>
             <a:r>
-              <a:rPr lang="en-US" sz="1050" b="1" dirty="0" err="1" smtClean="0">
+              <a:rPr lang="en-US" sz="1050" b="1" dirty="0" err="1">
                 <a:solidFill>
                   <a:schemeClr val="accent6">
                     <a:lumMod val="75000"/>
@@ -4600,18 +4925,8 @@
               </a:rPr>
               <a:t>XmlSerializable</a:t>
             </a:r>
-            <a:r>
-              <a:rPr lang="en-US" sz="1050" b="1" dirty="0" smtClean="0">
-                <a:solidFill>
-                  <a:schemeClr val="accent6">
-                    <a:lumMod val="75000"/>
-                  </a:schemeClr>
-                </a:solidFill>
-              </a:rPr>
-              <a:t/>
-            </a:r>
             <a:br>
-              <a:rPr lang="en-US" sz="1050" b="1" dirty="0" smtClean="0">
+              <a:rPr lang="en-US" sz="1050" b="1" dirty="0">
                 <a:solidFill>
                   <a:schemeClr val="accent6">
                     <a:lumMod val="75000"/>
@@ -4620,14 +4935,14 @@
               </a:rPr>
             </a:br>
             <a:r>
-              <a:rPr lang="en-US" sz="1050" b="1" dirty="0" err="1" smtClean="0">
+              <a:rPr lang="en-US" sz="1050" b="1" dirty="0" err="1">
                 <a:solidFill>
                   <a:schemeClr val="accent6">
                     <a:lumMod val="75000"/>
                   </a:schemeClr>
                 </a:solidFill>
               </a:rPr>
-              <a:t>AddressBook</a:t>
+              <a:t>TriviaBundle</a:t>
             </a:r>
             <a:endParaRPr lang="en-SG" sz="1050" b="1" dirty="0">
               <a:solidFill>
@@ -4650,7 +4965,7 @@
         </p:nvCxnSpPr>
         <p:spPr>
           <a:xfrm rot="5400000" flipH="1" flipV="1">
-            <a:off x="8077993" y="2992020"/>
+            <a:off x="7491528" y="2963038"/>
             <a:ext cx="335208" cy="12700"/>
           </a:xfrm>
           <a:prstGeom prst="bentConnector3">
@@ -4688,7 +5003,7 @@
         </p:nvSpPr>
         <p:spPr>
           <a:xfrm>
-            <a:off x="7615738" y="2477656"/>
+            <a:off x="7029273" y="2448674"/>
             <a:ext cx="1259718" cy="346760"/>
           </a:xfrm>
           <a:prstGeom prst="rect">
@@ -4717,14 +5032,14 @@
           <a:p>
             <a:pPr algn="ctr"/>
             <a:r>
-              <a:rPr lang="en-US" sz="1050" b="1" dirty="0" err="1" smtClean="0">
+              <a:rPr lang="en-US" sz="1050" b="1" dirty="0" err="1">
                 <a:solidFill>
                   <a:schemeClr val="accent6">
                     <a:lumMod val="75000"/>
                   </a:schemeClr>
                 </a:solidFill>
               </a:rPr>
-              <a:t>XmlAdaptedTag</a:t>
+              <a:t>XmlAdaptedTopic</a:t>
             </a:r>
             <a:endParaRPr lang="en-SG" sz="1050" b="1" dirty="0">
               <a:solidFill>
@@ -4744,7 +5059,7 @@
         </p:nvSpPr>
         <p:spPr>
           <a:xfrm>
-            <a:off x="7615738" y="3159624"/>
+            <a:off x="7029273" y="3130642"/>
             <a:ext cx="1259718" cy="346760"/>
           </a:xfrm>
           <a:prstGeom prst="rect">
@@ -4773,14 +5088,14 @@
           <a:p>
             <a:pPr algn="ctr"/>
             <a:r>
-              <a:rPr lang="en-US" sz="1050" b="1" dirty="0" err="1" smtClean="0">
+              <a:rPr lang="en-US" sz="1050" b="1" dirty="0" err="1">
                 <a:solidFill>
                   <a:schemeClr val="accent6">
                     <a:lumMod val="75000"/>
                   </a:schemeClr>
                 </a:solidFill>
               </a:rPr>
-              <a:t>XmlAdaptedPerson</a:t>
+              <a:t>XmlAdaptedCard</a:t>
             </a:r>
             <a:endParaRPr lang="en-SG" sz="1050" b="1" dirty="0">
               <a:solidFill>
@@ -4803,8 +5118,641 @@
         </p:nvCxnSpPr>
         <p:spPr>
           <a:xfrm flipV="1">
-            <a:off x="7220507" y="3333004"/>
+            <a:off x="6634042" y="3304022"/>
             <a:ext cx="395231" cy="786"/>
+          </a:xfrm>
+          <a:prstGeom prst="bentConnector3">
+            <a:avLst>
+              <a:gd name="adj1" fmla="val 50000"/>
+            </a:avLst>
+          </a:prstGeom>
+          <a:ln w="19050">
+            <a:prstDash val="sysDot"/>
+            <a:headEnd type="none" w="med" len="med"/>
+            <a:tailEnd type="arrow" w="med" len="med"/>
+          </a:ln>
+          <a:effectLst/>
+        </p:spPr>
+        <p:style>
+          <a:lnRef idx="1">
+            <a:schemeClr val="accent6"/>
+          </a:lnRef>
+          <a:fillRef idx="2">
+            <a:schemeClr val="accent6"/>
+          </a:fillRef>
+          <a:effectRef idx="1">
+            <a:schemeClr val="accent6"/>
+          </a:effectRef>
+          <a:fontRef idx="minor">
+            <a:schemeClr val="dk1"/>
+          </a:fontRef>
+        </p:style>
+      </p:cxnSp>
+      <p:cxnSp>
+        <p:nvCxnSpPr>
+          <p:cNvPr id="32" name="Elbow Connector 122">
+            <a:extLst>
+              <a:ext uri="{FF2B5EF4-FFF2-40B4-BE49-F238E27FC236}">
+                <a16:creationId xmlns:a16="http://schemas.microsoft.com/office/drawing/2014/main" id="{75B3BA35-99CA-498A-A045-EBC920836383}"/>
+              </a:ext>
+            </a:extLst>
+          </p:cNvPr>
+          <p:cNvCxnSpPr>
+            <a:stCxn id="33" idx="3"/>
+            <a:endCxn id="34" idx="1"/>
+          </p:cNvCxnSpPr>
+          <p:nvPr/>
+        </p:nvCxnSpPr>
+        <p:spPr>
+          <a:xfrm>
+            <a:off x="5198385" y="4527944"/>
+            <a:ext cx="228600" cy="1970"/>
+          </a:xfrm>
+          <a:prstGeom prst="bentConnector3">
+            <a:avLst>
+              <a:gd name="adj1" fmla="val 50000"/>
+            </a:avLst>
+          </a:prstGeom>
+          <a:ln w="19050">
+            <a:solidFill>
+              <a:schemeClr val="accent6">
+                <a:lumMod val="75000"/>
+              </a:schemeClr>
+            </a:solidFill>
+            <a:prstDash val="sysDot"/>
+            <a:headEnd type="none" w="med" len="med"/>
+            <a:tailEnd type="arrow" w="med" len="med"/>
+          </a:ln>
+          <a:effectLst/>
+        </p:spPr>
+        <p:style>
+          <a:lnRef idx="1">
+            <a:schemeClr val="accent2"/>
+          </a:lnRef>
+          <a:fillRef idx="2">
+            <a:schemeClr val="accent2"/>
+          </a:fillRef>
+          <a:effectRef idx="1">
+            <a:schemeClr val="accent2"/>
+          </a:effectRef>
+          <a:fontRef idx="minor">
+            <a:schemeClr val="dk1"/>
+          </a:fontRef>
+        </p:style>
+      </p:cxnSp>
+      <p:sp>
+        <p:nvSpPr>
+          <p:cNvPr id="33" name="Rectangle 8">
+            <a:extLst>
+              <a:ext uri="{FF2B5EF4-FFF2-40B4-BE49-F238E27FC236}">
+                <a16:creationId xmlns:a16="http://schemas.microsoft.com/office/drawing/2014/main" id="{9B10FEF6-C013-42D9-9393-4BD17AAF6DBC}"/>
+              </a:ext>
+            </a:extLst>
+          </p:cNvPr>
+          <p:cNvSpPr/>
+          <p:nvPr/>
+        </p:nvSpPr>
+        <p:spPr>
+          <a:xfrm>
+            <a:off x="4028550" y="4354564"/>
+            <a:ext cx="1169835" cy="346760"/>
+          </a:xfrm>
+          <a:prstGeom prst="rect">
+            <a:avLst/>
+          </a:prstGeom>
+          <a:ln w="19050"/>
+          <a:effectLst/>
+        </p:spPr>
+        <p:style>
+          <a:lnRef idx="1">
+            <a:schemeClr val="accent6"/>
+          </a:lnRef>
+          <a:fillRef idx="2">
+            <a:schemeClr val="accent6"/>
+          </a:fillRef>
+          <a:effectRef idx="1">
+            <a:schemeClr val="accent6"/>
+          </a:effectRef>
+          <a:fontRef idx="minor">
+            <a:schemeClr val="dk1"/>
+          </a:fontRef>
+        </p:style>
+        <p:txBody>
+          <a:bodyPr rtlCol="0" anchor="ctr"/>
+          <a:lstStyle/>
+          <a:p>
+            <a:pPr algn="ctr"/>
+            <a:r>
+              <a:rPr lang="en-US" sz="1050" b="1" dirty="0" err="1">
+                <a:solidFill>
+                  <a:schemeClr val="accent6">
+                    <a:lumMod val="75000"/>
+                  </a:schemeClr>
+                </a:solidFill>
+              </a:rPr>
+              <a:t>XmlTriviaResults</a:t>
+            </a:r>
+            <a:br>
+              <a:rPr lang="en-US" sz="1050" b="1" dirty="0">
+                <a:solidFill>
+                  <a:schemeClr val="accent6">
+                    <a:lumMod val="75000"/>
+                  </a:schemeClr>
+                </a:solidFill>
+              </a:rPr>
+            </a:br>
+            <a:r>
+              <a:rPr lang="en-US" sz="1050" b="1" dirty="0">
+                <a:solidFill>
+                  <a:schemeClr val="accent6">
+                    <a:lumMod val="75000"/>
+                  </a:schemeClr>
+                </a:solidFill>
+              </a:rPr>
+              <a:t>Storage</a:t>
+            </a:r>
+            <a:endParaRPr lang="en-SG" sz="1050" b="1" dirty="0">
+              <a:solidFill>
+                <a:schemeClr val="accent6">
+                  <a:lumMod val="75000"/>
+                </a:schemeClr>
+              </a:solidFill>
+            </a:endParaRPr>
+          </a:p>
+        </p:txBody>
+      </p:sp>
+      <p:sp>
+        <p:nvSpPr>
+          <p:cNvPr id="34" name="Rectangle 8">
+            <a:extLst>
+              <a:ext uri="{FF2B5EF4-FFF2-40B4-BE49-F238E27FC236}">
+                <a16:creationId xmlns:a16="http://schemas.microsoft.com/office/drawing/2014/main" id="{FE605C8E-720F-432D-808D-43E6C4E5FD1E}"/>
+              </a:ext>
+            </a:extLst>
+          </p:cNvPr>
+          <p:cNvSpPr/>
+          <p:nvPr/>
+        </p:nvSpPr>
+        <p:spPr>
+          <a:xfrm>
+            <a:off x="5426985" y="4356534"/>
+            <a:ext cx="1200707" cy="346760"/>
+          </a:xfrm>
+          <a:prstGeom prst="rect">
+            <a:avLst/>
+          </a:prstGeom>
+          <a:ln w="19050"/>
+          <a:effectLst/>
+        </p:spPr>
+        <p:style>
+          <a:lnRef idx="1">
+            <a:schemeClr val="accent6"/>
+          </a:lnRef>
+          <a:fillRef idx="2">
+            <a:schemeClr val="accent6"/>
+          </a:fillRef>
+          <a:effectRef idx="1">
+            <a:schemeClr val="accent6"/>
+          </a:effectRef>
+          <a:fontRef idx="minor">
+            <a:schemeClr val="dk1"/>
+          </a:fontRef>
+        </p:style>
+        <p:txBody>
+          <a:bodyPr rtlCol="0" anchor="ctr"/>
+          <a:lstStyle/>
+          <a:p>
+            <a:pPr algn="ctr"/>
+            <a:r>
+              <a:rPr lang="en-US" sz="1050" b="1" dirty="0" err="1">
+                <a:solidFill>
+                  <a:schemeClr val="accent6">
+                    <a:lumMod val="75000"/>
+                  </a:schemeClr>
+                </a:solidFill>
+              </a:rPr>
+              <a:t>XmlSerializable</a:t>
+            </a:r>
+            <a:br>
+              <a:rPr lang="en-US" sz="1050" b="1" dirty="0">
+                <a:solidFill>
+                  <a:schemeClr val="accent6">
+                    <a:lumMod val="75000"/>
+                  </a:schemeClr>
+                </a:solidFill>
+              </a:rPr>
+            </a:br>
+            <a:r>
+              <a:rPr lang="en-US" sz="1050" b="1" dirty="0" err="1">
+                <a:solidFill>
+                  <a:schemeClr val="accent6">
+                    <a:lumMod val="75000"/>
+                  </a:schemeClr>
+                </a:solidFill>
+              </a:rPr>
+              <a:t>TriviaResults</a:t>
+            </a:r>
+            <a:endParaRPr lang="en-SG" sz="1050" b="1" dirty="0">
+              <a:solidFill>
+                <a:schemeClr val="accent6">
+                  <a:lumMod val="75000"/>
+                </a:schemeClr>
+              </a:solidFill>
+            </a:endParaRPr>
+          </a:p>
+        </p:txBody>
+      </p:sp>
+      <p:sp>
+        <p:nvSpPr>
+          <p:cNvPr id="35" name="Rectangle 8">
+            <a:extLst>
+              <a:ext uri="{FF2B5EF4-FFF2-40B4-BE49-F238E27FC236}">
+                <a16:creationId xmlns:a16="http://schemas.microsoft.com/office/drawing/2014/main" id="{ECFDD217-6241-414F-82FA-8BDE09D7A0C5}"/>
+              </a:ext>
+            </a:extLst>
+          </p:cNvPr>
+          <p:cNvSpPr/>
+          <p:nvPr/>
+        </p:nvSpPr>
+        <p:spPr>
+          <a:xfrm>
+            <a:off x="7022923" y="3742802"/>
+            <a:ext cx="1259718" cy="346760"/>
+          </a:xfrm>
+          <a:prstGeom prst="rect">
+            <a:avLst/>
+          </a:prstGeom>
+          <a:ln w="19050"/>
+          <a:effectLst/>
+        </p:spPr>
+        <p:style>
+          <a:lnRef idx="1">
+            <a:schemeClr val="accent6"/>
+          </a:lnRef>
+          <a:fillRef idx="2">
+            <a:schemeClr val="accent6"/>
+          </a:fillRef>
+          <a:effectRef idx="1">
+            <a:schemeClr val="accent6"/>
+          </a:effectRef>
+          <a:fontRef idx="minor">
+            <a:schemeClr val="dk1"/>
+          </a:fontRef>
+        </p:style>
+        <p:txBody>
+          <a:bodyPr rtlCol="0" anchor="ctr"/>
+          <a:lstStyle/>
+          <a:p>
+            <a:pPr algn="ctr"/>
+            <a:r>
+              <a:rPr lang="en-US" sz="1050" b="1" dirty="0" err="1">
+                <a:solidFill>
+                  <a:schemeClr val="accent6">
+                    <a:lumMod val="75000"/>
+                  </a:schemeClr>
+                </a:solidFill>
+              </a:rPr>
+              <a:t>XmlAdapted</a:t>
+            </a:r>
+            <a:endParaRPr lang="en-US" sz="1050" b="1" dirty="0">
+              <a:solidFill>
+                <a:schemeClr val="accent6">
+                  <a:lumMod val="75000"/>
+                </a:schemeClr>
+              </a:solidFill>
+            </a:endParaRPr>
+          </a:p>
+          <a:p>
+            <a:pPr algn="ctr"/>
+            <a:r>
+              <a:rPr lang="en-US" sz="1050" b="1" dirty="0">
+                <a:solidFill>
+                  <a:schemeClr val="accent6">
+                    <a:lumMod val="75000"/>
+                  </a:schemeClr>
+                </a:solidFill>
+              </a:rPr>
+              <a:t>Attempt</a:t>
+            </a:r>
+            <a:endParaRPr lang="en-SG" sz="1050" b="1" dirty="0">
+              <a:solidFill>
+                <a:schemeClr val="accent6">
+                  <a:lumMod val="75000"/>
+                </a:schemeClr>
+              </a:solidFill>
+            </a:endParaRPr>
+          </a:p>
+        </p:txBody>
+      </p:sp>
+      <p:sp>
+        <p:nvSpPr>
+          <p:cNvPr id="36" name="Rectangle 8">
+            <a:extLst>
+              <a:ext uri="{FF2B5EF4-FFF2-40B4-BE49-F238E27FC236}">
+                <a16:creationId xmlns:a16="http://schemas.microsoft.com/office/drawing/2014/main" id="{F0FDCCAB-1A76-48AC-ADE6-AC347CEF4405}"/>
+              </a:ext>
+            </a:extLst>
+          </p:cNvPr>
+          <p:cNvSpPr/>
+          <p:nvPr/>
+        </p:nvSpPr>
+        <p:spPr>
+          <a:xfrm>
+            <a:off x="7022923" y="4355748"/>
+            <a:ext cx="1259718" cy="346760"/>
+          </a:xfrm>
+          <a:prstGeom prst="rect">
+            <a:avLst/>
+          </a:prstGeom>
+          <a:ln w="19050"/>
+          <a:effectLst/>
+        </p:spPr>
+        <p:style>
+          <a:lnRef idx="1">
+            <a:schemeClr val="accent6"/>
+          </a:lnRef>
+          <a:fillRef idx="2">
+            <a:schemeClr val="accent6"/>
+          </a:fillRef>
+          <a:effectRef idx="1">
+            <a:schemeClr val="accent6"/>
+          </a:effectRef>
+          <a:fontRef idx="minor">
+            <a:schemeClr val="dk1"/>
+          </a:fontRef>
+        </p:style>
+        <p:txBody>
+          <a:bodyPr rtlCol="0" anchor="ctr"/>
+          <a:lstStyle/>
+          <a:p>
+            <a:pPr algn="ctr"/>
+            <a:r>
+              <a:rPr lang="en-US" sz="1050" b="1" dirty="0" err="1">
+                <a:solidFill>
+                  <a:schemeClr val="accent6">
+                    <a:lumMod val="75000"/>
+                  </a:schemeClr>
+                </a:solidFill>
+              </a:rPr>
+              <a:t>XmlAdapted</a:t>
+            </a:r>
+            <a:endParaRPr lang="en-US" sz="1050" b="1" dirty="0">
+              <a:solidFill>
+                <a:schemeClr val="accent6">
+                  <a:lumMod val="75000"/>
+                </a:schemeClr>
+              </a:solidFill>
+            </a:endParaRPr>
+          </a:p>
+          <a:p>
+            <a:pPr algn="ctr"/>
+            <a:r>
+              <a:rPr lang="en-US" sz="1050" b="1" dirty="0" err="1">
+                <a:solidFill>
+                  <a:schemeClr val="accent6">
+                    <a:lumMod val="75000"/>
+                  </a:schemeClr>
+                </a:solidFill>
+              </a:rPr>
+              <a:t>TriviaResult</a:t>
+            </a:r>
+            <a:endParaRPr lang="en-SG" sz="1050" b="1" dirty="0">
+              <a:solidFill>
+                <a:schemeClr val="accent6">
+                  <a:lumMod val="75000"/>
+                </a:schemeClr>
+              </a:solidFill>
+            </a:endParaRPr>
+          </a:p>
+        </p:txBody>
+      </p:sp>
+      <p:cxnSp>
+        <p:nvCxnSpPr>
+          <p:cNvPr id="37" name="Elbow Connector 122">
+            <a:extLst>
+              <a:ext uri="{FF2B5EF4-FFF2-40B4-BE49-F238E27FC236}">
+                <a16:creationId xmlns:a16="http://schemas.microsoft.com/office/drawing/2014/main" id="{A4DC2391-8AF2-4DC4-B036-FFBD8CC79F17}"/>
+              </a:ext>
+            </a:extLst>
+          </p:cNvPr>
+          <p:cNvCxnSpPr>
+            <a:stCxn id="34" idx="3"/>
+            <a:endCxn id="36" idx="1"/>
+          </p:cNvCxnSpPr>
+          <p:nvPr/>
+        </p:nvCxnSpPr>
+        <p:spPr>
+          <a:xfrm flipV="1">
+            <a:off x="6627692" y="4529128"/>
+            <a:ext cx="395231" cy="786"/>
+          </a:xfrm>
+          <a:prstGeom prst="bentConnector3">
+            <a:avLst>
+              <a:gd name="adj1" fmla="val 50000"/>
+            </a:avLst>
+          </a:prstGeom>
+          <a:ln w="19050">
+            <a:prstDash val="sysDot"/>
+            <a:headEnd type="none" w="med" len="med"/>
+            <a:tailEnd type="arrow" w="med" len="med"/>
+          </a:ln>
+          <a:effectLst/>
+        </p:spPr>
+        <p:style>
+          <a:lnRef idx="1">
+            <a:schemeClr val="accent6"/>
+          </a:lnRef>
+          <a:fillRef idx="2">
+            <a:schemeClr val="accent6"/>
+          </a:fillRef>
+          <a:effectRef idx="1">
+            <a:schemeClr val="accent6"/>
+          </a:effectRef>
+          <a:fontRef idx="minor">
+            <a:schemeClr val="dk1"/>
+          </a:fontRef>
+        </p:style>
+      </p:cxnSp>
+      <p:cxnSp>
+        <p:nvCxnSpPr>
+          <p:cNvPr id="38" name="Elbow Connector 122">
+            <a:extLst>
+              <a:ext uri="{FF2B5EF4-FFF2-40B4-BE49-F238E27FC236}">
+                <a16:creationId xmlns:a16="http://schemas.microsoft.com/office/drawing/2014/main" id="{9BECF648-40AC-42EF-9621-82C93FB5758B}"/>
+              </a:ext>
+            </a:extLst>
+          </p:cNvPr>
+          <p:cNvCxnSpPr>
+            <a:cxnSpLocks/>
+            <a:stCxn id="36" idx="0"/>
+            <a:endCxn id="35" idx="2"/>
+          </p:cNvCxnSpPr>
+          <p:nvPr/>
+        </p:nvCxnSpPr>
+        <p:spPr>
+          <a:xfrm rot="5400000" flipH="1" flipV="1">
+            <a:off x="7519689" y="4222655"/>
+            <a:ext cx="266186" cy="12700"/>
+          </a:xfrm>
+          <a:prstGeom prst="bentConnector3">
+            <a:avLst>
+              <a:gd name="adj1" fmla="val 50000"/>
+            </a:avLst>
+          </a:prstGeom>
+          <a:ln w="19050">
+            <a:prstDash val="sysDot"/>
+            <a:headEnd type="none" w="med" len="med"/>
+            <a:tailEnd type="arrow" w="med" len="med"/>
+          </a:ln>
+          <a:effectLst/>
+        </p:spPr>
+        <p:style>
+          <a:lnRef idx="1">
+            <a:schemeClr val="accent6"/>
+          </a:lnRef>
+          <a:fillRef idx="2">
+            <a:schemeClr val="accent6"/>
+          </a:fillRef>
+          <a:effectRef idx="1">
+            <a:schemeClr val="accent6"/>
+          </a:effectRef>
+          <a:fontRef idx="minor">
+            <a:schemeClr val="dk1"/>
+          </a:fontRef>
+        </p:style>
+      </p:cxnSp>
+      <p:sp>
+        <p:nvSpPr>
+          <p:cNvPr id="46" name="Isosceles Triangle 102">
+            <a:extLst>
+              <a:ext uri="{FF2B5EF4-FFF2-40B4-BE49-F238E27FC236}">
+                <a16:creationId xmlns:a16="http://schemas.microsoft.com/office/drawing/2014/main" id="{FAFB94BA-85FD-41A7-9D1C-DD931A25F0E3}"/>
+              </a:ext>
+            </a:extLst>
+          </p:cNvPr>
+          <p:cNvSpPr/>
+          <p:nvPr/>
+        </p:nvSpPr>
+        <p:spPr>
+          <a:xfrm rot="10800000" flipV="1">
+            <a:off x="2813750" y="3492208"/>
+            <a:ext cx="270504" cy="175523"/>
+          </a:xfrm>
+          <a:prstGeom prst="triangle">
+            <a:avLst/>
+          </a:prstGeom>
+          <a:solidFill>
+            <a:schemeClr val="accent6">
+              <a:lumMod val="75000"/>
+            </a:schemeClr>
+          </a:solidFill>
+          <a:ln w="19050">
+            <a:solidFill>
+              <a:schemeClr val="accent6">
+                <a:lumMod val="75000"/>
+              </a:schemeClr>
+            </a:solidFill>
+          </a:ln>
+          <a:effectLst/>
+        </p:spPr>
+        <p:style>
+          <a:lnRef idx="1">
+            <a:schemeClr val="accent2"/>
+          </a:lnRef>
+          <a:fillRef idx="2">
+            <a:schemeClr val="accent2"/>
+          </a:fillRef>
+          <a:effectRef idx="1">
+            <a:schemeClr val="accent2"/>
+          </a:effectRef>
+          <a:fontRef idx="minor">
+            <a:schemeClr val="dk1"/>
+          </a:fontRef>
+        </p:style>
+        <p:txBody>
+          <a:bodyPr rtlCol="0" anchor="ctr"/>
+          <a:lstStyle/>
+          <a:p>
+            <a:pPr algn="ctr"/>
+            <a:endParaRPr lang="en-SG" sz="1050">
+              <a:solidFill>
+                <a:schemeClr val="bg1"/>
+              </a:solidFill>
+            </a:endParaRPr>
+          </a:p>
+        </p:txBody>
+      </p:sp>
+      <p:cxnSp>
+        <p:nvCxnSpPr>
+          <p:cNvPr id="47" name="Elbow Connector 63">
+            <a:extLst>
+              <a:ext uri="{FF2B5EF4-FFF2-40B4-BE49-F238E27FC236}">
+                <a16:creationId xmlns:a16="http://schemas.microsoft.com/office/drawing/2014/main" id="{A3FEEEFF-4A08-41BE-8330-29B74AD7C952}"/>
+              </a:ext>
+            </a:extLst>
+          </p:cNvPr>
+          <p:cNvCxnSpPr>
+            <a:cxnSpLocks/>
+            <a:stCxn id="46" idx="3"/>
+            <a:endCxn id="33" idx="1"/>
+          </p:cNvCxnSpPr>
+          <p:nvPr/>
+        </p:nvCxnSpPr>
+        <p:spPr>
+          <a:xfrm rot="16200000" flipH="1">
+            <a:off x="3058670" y="3558063"/>
+            <a:ext cx="860213" cy="1079548"/>
+          </a:xfrm>
+          <a:prstGeom prst="bentConnector2">
+            <a:avLst/>
+          </a:prstGeom>
+          <a:ln w="19050">
+            <a:solidFill>
+              <a:schemeClr val="accent6">
+                <a:lumMod val="75000"/>
+              </a:schemeClr>
+            </a:solidFill>
+            <a:prstDash val="sysDot"/>
+            <a:headEnd type="none" w="med" len="med"/>
+            <a:tailEnd type="none" w="med" len="med"/>
+          </a:ln>
+          <a:effectLst/>
+        </p:spPr>
+        <p:style>
+          <a:lnRef idx="1">
+            <a:schemeClr val="accent2"/>
+          </a:lnRef>
+          <a:fillRef idx="2">
+            <a:schemeClr val="accent2"/>
+          </a:fillRef>
+          <a:effectRef idx="1">
+            <a:schemeClr val="accent2"/>
+          </a:effectRef>
+          <a:fontRef idx="minor">
+            <a:schemeClr val="dk1"/>
+          </a:fontRef>
+        </p:style>
+      </p:cxnSp>
+      <p:cxnSp>
+        <p:nvCxnSpPr>
+          <p:cNvPr id="41" name="Elbow Connector 122">
+            <a:extLst>
+              <a:ext uri="{FF2B5EF4-FFF2-40B4-BE49-F238E27FC236}">
+                <a16:creationId xmlns:a16="http://schemas.microsoft.com/office/drawing/2014/main" id="{1276D566-A73D-44A1-BAB6-019A5FD8C2C0}"/>
+              </a:ext>
+            </a:extLst>
+          </p:cNvPr>
+          <p:cNvCxnSpPr>
+            <a:cxnSpLocks/>
+            <a:stCxn id="35" idx="0"/>
+            <a:endCxn id="74" idx="2"/>
+          </p:cNvCxnSpPr>
+          <p:nvPr/>
+        </p:nvCxnSpPr>
+        <p:spPr>
+          <a:xfrm rot="5400000" flipH="1" flipV="1">
+            <a:off x="7523257" y="3606927"/>
+            <a:ext cx="265400" cy="6350"/>
           </a:xfrm>
           <a:prstGeom prst="bentConnector3">
             <a:avLst>
@@ -4843,13 +5791,6 @@
   <p:clrMapOvr>
     <a:masterClrMapping/>
   </p:clrMapOvr>
-  <p:timing>
-    <p:tnLst>
-      <p:par>
-        <p:cTn id="1" dur="indefinite" restart="never" nodeType="tmRoot"/>
-      </p:par>
-    </p:tnLst>
-  </p:timing>
 </p:sld>
 </file>
 

--- a/docs/diagrams/StorageComponentClassDiagram.pptx
+++ b/docs/diagrams/StorageComponentClassDiagram.pptx
@@ -129,7 +129,7 @@
 <file path=ppt/revisionInfo.xml><?xml version="1.0" encoding="utf-8"?>
 <p1510:revInfo xmlns:a="http://schemas.openxmlformats.org/drawingml/2006/main" xmlns:r="http://schemas.openxmlformats.org/officeDocument/2006/relationships" xmlns:p1510="http://schemas.microsoft.com/office/powerpoint/2015/10/main">
   <p1510:revLst>
-    <p1510:client id="{E98F4D69-3910-42B5-8F83-489B37FDB09D}" v="7" dt="2018-10-29T03:45:49.799"/>
+    <p1510:client id="{E98F4D69-3910-42B5-8F83-489B37FDB09D}" v="9" dt="2018-11-05T14:29:36.188"/>
   </p1510:revLst>
 </p1510:revInfo>
 </file>
@@ -472,6 +472,78 @@
       </pc:sldChg>
     </pc:docChg>
   </pc:docChgLst>
+  <pc:docChgLst>
+    <pc:chgData name="Ho Zong Sien" userId="03515f1a-cd05-4b48-bd07-e232f2fd8730" providerId="ADAL" clId="{E98F4D69-3910-42B5-8F83-489B37FDB09D}"/>
+    <pc:docChg chg="undo custSel modSld">
+      <pc:chgData name="Ho Zong Sien" userId="03515f1a-cd05-4b48-bd07-e232f2fd8730" providerId="ADAL" clId="{E98F4D69-3910-42B5-8F83-489B37FDB09D}" dt="2018-11-05T14:30:11.757" v="39" actId="14100"/>
+      <pc:docMkLst>
+        <pc:docMk/>
+      </pc:docMkLst>
+      <pc:sldChg chg="addSp delSp modSp">
+        <pc:chgData name="Ho Zong Sien" userId="03515f1a-cd05-4b48-bd07-e232f2fd8730" providerId="ADAL" clId="{E98F4D69-3910-42B5-8F83-489B37FDB09D}" dt="2018-11-05T14:30:11.757" v="39" actId="14100"/>
+        <pc:sldMkLst>
+          <pc:docMk/>
+          <pc:sldMk cId="1478832369" sldId="264"/>
+        </pc:sldMkLst>
+        <pc:spChg chg="add mod">
+          <ac:chgData name="Ho Zong Sien" userId="03515f1a-cd05-4b48-bd07-e232f2fd8730" providerId="ADAL" clId="{E98F4D69-3910-42B5-8F83-489B37FDB09D}" dt="2018-11-05T14:28:26.539" v="22" actId="1076"/>
+          <ac:spMkLst>
+            <pc:docMk/>
+            <pc:sldMk cId="1478832369" sldId="264"/>
+            <ac:spMk id="39" creationId="{5C4F05C6-9C81-49EA-A111-45C3E6B81820}"/>
+          </ac:spMkLst>
+        </pc:spChg>
+        <pc:spChg chg="add mod">
+          <ac:chgData name="Ho Zong Sien" userId="03515f1a-cd05-4b48-bd07-e232f2fd8730" providerId="ADAL" clId="{E98F4D69-3910-42B5-8F83-489B37FDB09D}" dt="2018-11-05T14:28:56.901" v="27" actId="1076"/>
+          <ac:spMkLst>
+            <pc:docMk/>
+            <pc:sldMk cId="1478832369" sldId="264"/>
+            <ac:spMk id="43" creationId="{3CE2BCF9-D8F1-4F92-8334-833F24F0B035}"/>
+          </ac:spMkLst>
+        </pc:spChg>
+        <pc:spChg chg="del mod">
+          <ac:chgData name="Ho Zong Sien" userId="03515f1a-cd05-4b48-bd07-e232f2fd8730" providerId="ADAL" clId="{E98F4D69-3910-42B5-8F83-489B37FDB09D}" dt="2018-11-05T14:26:48.345" v="1" actId="478"/>
+          <ac:spMkLst>
+            <pc:docMk/>
+            <pc:sldMk cId="1478832369" sldId="264"/>
+            <ac:spMk id="46" creationId="{FAFB94BA-85FD-41A7-9D1C-DD931A25F0E3}"/>
+          </ac:spMkLst>
+        </pc:spChg>
+        <pc:spChg chg="mod">
+          <ac:chgData name="Ho Zong Sien" userId="03515f1a-cd05-4b48-bd07-e232f2fd8730" providerId="ADAL" clId="{E98F4D69-3910-42B5-8F83-489B37FDB09D}" dt="2018-11-05T14:28:33.311" v="24" actId="1076"/>
+          <ac:spMkLst>
+            <pc:docMk/>
+            <pc:sldMk cId="1478832369" sldId="264"/>
+            <ac:spMk id="118" creationId="{00000000-0000-0000-0000-000000000000}"/>
+          </ac:spMkLst>
+        </pc:spChg>
+        <pc:cxnChg chg="add mod">
+          <ac:chgData name="Ho Zong Sien" userId="03515f1a-cd05-4b48-bd07-e232f2fd8730" providerId="ADAL" clId="{E98F4D69-3910-42B5-8F83-489B37FDB09D}" dt="2018-11-05T14:30:06.970" v="38" actId="14100"/>
+          <ac:cxnSpMkLst>
+            <pc:docMk/>
+            <pc:sldMk cId="1478832369" sldId="264"/>
+            <ac:cxnSpMk id="40" creationId="{1EC10A1E-C88A-4435-9AF1-B78267DF0666}"/>
+          </ac:cxnSpMkLst>
+        </pc:cxnChg>
+        <pc:cxnChg chg="add mod">
+          <ac:chgData name="Ho Zong Sien" userId="03515f1a-cd05-4b48-bd07-e232f2fd8730" providerId="ADAL" clId="{E98F4D69-3910-42B5-8F83-489B37FDB09D}" dt="2018-11-05T14:30:11.757" v="39" actId="14100"/>
+          <ac:cxnSpMkLst>
+            <pc:docMk/>
+            <pc:sldMk cId="1478832369" sldId="264"/>
+            <ac:cxnSpMk id="44" creationId="{E573CBC6-5DB6-49A6-98BE-3FB44F30394E}"/>
+          </ac:cxnSpMkLst>
+        </pc:cxnChg>
+        <pc:cxnChg chg="del mod">
+          <ac:chgData name="Ho Zong Sien" userId="03515f1a-cd05-4b48-bd07-e232f2fd8730" providerId="ADAL" clId="{E98F4D69-3910-42B5-8F83-489B37FDB09D}" dt="2018-11-05T14:26:51.136" v="2" actId="478"/>
+          <ac:cxnSpMkLst>
+            <pc:docMk/>
+            <pc:sldMk cId="1478832369" sldId="264"/>
+            <ac:cxnSpMk id="47" creationId="{A3FEEEFF-4A08-41BE-8330-29B74AD7C952}"/>
+          </ac:cxnSpMkLst>
+        </pc:cxnChg>
+      </pc:sldChg>
+    </pc:docChg>
+  </pc:docChgLst>
 </pc:chgInfo>
 </file>
 
@@ -557,7 +629,7 @@
           <a:p>
             <a:fld id="{F5CC4B3F-88C1-4FFA-B1B6-F41C21DC6924}" type="datetimeFigureOut">
               <a:rPr lang="en-US" smtClean="0"/>
-              <a:t>10/29/2018</a:t>
+              <a:t>11/5/2018</a:t>
             </a:fld>
             <a:endParaRPr lang="en-US"/>
           </a:p>
@@ -1003,7 +1075,7 @@
           <a:p>
             <a:fld id="{78C97017-6FC3-485B-9764-EAC9E56C1D49}" type="datetimeFigureOut">
               <a:rPr lang="en-US" smtClean="0"/>
-              <a:t>10/29/2018</a:t>
+              <a:t>11/5/2018</a:t>
             </a:fld>
             <a:endParaRPr lang="en-US"/>
           </a:p>
@@ -1171,7 +1243,7 @@
           <a:p>
             <a:fld id="{78C97017-6FC3-485B-9764-EAC9E56C1D49}" type="datetimeFigureOut">
               <a:rPr lang="en-US" smtClean="0"/>
-              <a:t>10/29/2018</a:t>
+              <a:t>11/5/2018</a:t>
             </a:fld>
             <a:endParaRPr lang="en-US"/>
           </a:p>
@@ -1349,7 +1421,7 @@
           <a:p>
             <a:fld id="{78C97017-6FC3-485B-9764-EAC9E56C1D49}" type="datetimeFigureOut">
               <a:rPr lang="en-US" smtClean="0"/>
-              <a:t>10/29/2018</a:t>
+              <a:t>11/5/2018</a:t>
             </a:fld>
             <a:endParaRPr lang="en-US"/>
           </a:p>
@@ -1517,7 +1589,7 @@
           <a:p>
             <a:fld id="{78C97017-6FC3-485B-9764-EAC9E56C1D49}" type="datetimeFigureOut">
               <a:rPr lang="en-US" smtClean="0"/>
-              <a:t>10/29/2018</a:t>
+              <a:t>11/5/2018</a:t>
             </a:fld>
             <a:endParaRPr lang="en-US"/>
           </a:p>
@@ -1762,7 +1834,7 @@
           <a:p>
             <a:fld id="{78C97017-6FC3-485B-9764-EAC9E56C1D49}" type="datetimeFigureOut">
               <a:rPr lang="en-US" smtClean="0"/>
-              <a:t>10/29/2018</a:t>
+              <a:t>11/5/2018</a:t>
             </a:fld>
             <a:endParaRPr lang="en-US"/>
           </a:p>
@@ -2047,7 +2119,7 @@
           <a:p>
             <a:fld id="{78C97017-6FC3-485B-9764-EAC9E56C1D49}" type="datetimeFigureOut">
               <a:rPr lang="en-US" smtClean="0"/>
-              <a:t>10/29/2018</a:t>
+              <a:t>11/5/2018</a:t>
             </a:fld>
             <a:endParaRPr lang="en-US"/>
           </a:p>
@@ -2466,7 +2538,7 @@
           <a:p>
             <a:fld id="{78C97017-6FC3-485B-9764-EAC9E56C1D49}" type="datetimeFigureOut">
               <a:rPr lang="en-US" smtClean="0"/>
-              <a:t>10/29/2018</a:t>
+              <a:t>11/5/2018</a:t>
             </a:fld>
             <a:endParaRPr lang="en-US"/>
           </a:p>
@@ -2583,7 +2655,7 @@
           <a:p>
             <a:fld id="{78C97017-6FC3-485B-9764-EAC9E56C1D49}" type="datetimeFigureOut">
               <a:rPr lang="en-US" smtClean="0"/>
-              <a:t>10/29/2018</a:t>
+              <a:t>11/5/2018</a:t>
             </a:fld>
             <a:endParaRPr lang="en-US"/>
           </a:p>
@@ -2678,7 +2750,7 @@
           <a:p>
             <a:fld id="{78C97017-6FC3-485B-9764-EAC9E56C1D49}" type="datetimeFigureOut">
               <a:rPr lang="en-US" smtClean="0"/>
-              <a:t>10/29/2018</a:t>
+              <a:t>11/5/2018</a:t>
             </a:fld>
             <a:endParaRPr lang="en-US"/>
           </a:p>
@@ -2953,7 +3025,7 @@
           <a:p>
             <a:fld id="{78C97017-6FC3-485B-9764-EAC9E56C1D49}" type="datetimeFigureOut">
               <a:rPr lang="en-US" smtClean="0"/>
-              <a:t>10/29/2018</a:t>
+              <a:t>11/5/2018</a:t>
             </a:fld>
             <a:endParaRPr lang="en-US"/>
           </a:p>
@@ -3205,7 +3277,7 @@
           <a:p>
             <a:fld id="{78C97017-6FC3-485B-9764-EAC9E56C1D49}" type="datetimeFigureOut">
               <a:rPr lang="en-US" smtClean="0"/>
-              <a:t>10/29/2018</a:t>
+              <a:t>11/5/2018</a:t>
             </a:fld>
             <a:endParaRPr lang="en-US"/>
           </a:p>
@@ -3416,7 +3488,7 @@
           <a:p>
             <a:fld id="{78C97017-6FC3-485B-9764-EAC9E56C1D49}" type="datetimeFigureOut">
               <a:rPr lang="en-US" smtClean="0"/>
-              <a:t>10/29/2018</a:t>
+              <a:t>11/5/2018</a:t>
             </a:fld>
             <a:endParaRPr lang="en-US"/>
           </a:p>
@@ -5621,118 +5693,6 @@
           </a:fontRef>
         </p:style>
       </p:cxnSp>
-      <p:sp>
-        <p:nvSpPr>
-          <p:cNvPr id="46" name="Isosceles Triangle 102">
-            <a:extLst>
-              <a:ext uri="{FF2B5EF4-FFF2-40B4-BE49-F238E27FC236}">
-                <a16:creationId xmlns:a16="http://schemas.microsoft.com/office/drawing/2014/main" id="{FAFB94BA-85FD-41A7-9D1C-DD931A25F0E3}"/>
-              </a:ext>
-            </a:extLst>
-          </p:cNvPr>
-          <p:cNvSpPr/>
-          <p:nvPr/>
-        </p:nvSpPr>
-        <p:spPr>
-          <a:xfrm rot="10800000" flipV="1">
-            <a:off x="2813750" y="3492208"/>
-            <a:ext cx="270504" cy="175523"/>
-          </a:xfrm>
-          <a:prstGeom prst="triangle">
-            <a:avLst/>
-          </a:prstGeom>
-          <a:solidFill>
-            <a:schemeClr val="accent6">
-              <a:lumMod val="75000"/>
-            </a:schemeClr>
-          </a:solidFill>
-          <a:ln w="19050">
-            <a:solidFill>
-              <a:schemeClr val="accent6">
-                <a:lumMod val="75000"/>
-              </a:schemeClr>
-            </a:solidFill>
-          </a:ln>
-          <a:effectLst/>
-        </p:spPr>
-        <p:style>
-          <a:lnRef idx="1">
-            <a:schemeClr val="accent2"/>
-          </a:lnRef>
-          <a:fillRef idx="2">
-            <a:schemeClr val="accent2"/>
-          </a:fillRef>
-          <a:effectRef idx="1">
-            <a:schemeClr val="accent2"/>
-          </a:effectRef>
-          <a:fontRef idx="minor">
-            <a:schemeClr val="dk1"/>
-          </a:fontRef>
-        </p:style>
-        <p:txBody>
-          <a:bodyPr rtlCol="0" anchor="ctr"/>
-          <a:lstStyle/>
-          <a:p>
-            <a:pPr algn="ctr"/>
-            <a:endParaRPr lang="en-SG" sz="1050">
-              <a:solidFill>
-                <a:schemeClr val="bg1"/>
-              </a:solidFill>
-            </a:endParaRPr>
-          </a:p>
-        </p:txBody>
-      </p:sp>
-      <p:cxnSp>
-        <p:nvCxnSpPr>
-          <p:cNvPr id="47" name="Elbow Connector 63">
-            <a:extLst>
-              <a:ext uri="{FF2B5EF4-FFF2-40B4-BE49-F238E27FC236}">
-                <a16:creationId xmlns:a16="http://schemas.microsoft.com/office/drawing/2014/main" id="{A3FEEEFF-4A08-41BE-8330-29B74AD7C952}"/>
-              </a:ext>
-            </a:extLst>
-          </p:cNvPr>
-          <p:cNvCxnSpPr>
-            <a:cxnSpLocks/>
-            <a:stCxn id="46" idx="3"/>
-            <a:endCxn id="33" idx="1"/>
-          </p:cNvCxnSpPr>
-          <p:nvPr/>
-        </p:nvCxnSpPr>
-        <p:spPr>
-          <a:xfrm rot="16200000" flipH="1">
-            <a:off x="3058670" y="3558063"/>
-            <a:ext cx="860213" cy="1079548"/>
-          </a:xfrm>
-          <a:prstGeom prst="bentConnector2">
-            <a:avLst/>
-          </a:prstGeom>
-          <a:ln w="19050">
-            <a:solidFill>
-              <a:schemeClr val="accent6">
-                <a:lumMod val="75000"/>
-              </a:schemeClr>
-            </a:solidFill>
-            <a:prstDash val="sysDot"/>
-            <a:headEnd type="none" w="med" len="med"/>
-            <a:tailEnd type="none" w="med" len="med"/>
-          </a:ln>
-          <a:effectLst/>
-        </p:spPr>
-        <p:style>
-          <a:lnRef idx="1">
-            <a:schemeClr val="accent2"/>
-          </a:lnRef>
-          <a:fillRef idx="2">
-            <a:schemeClr val="accent2"/>
-          </a:fillRef>
-          <a:effectRef idx="1">
-            <a:schemeClr val="accent2"/>
-          </a:effectRef>
-          <a:fontRef idx="minor">
-            <a:schemeClr val="dk1"/>
-          </a:fontRef>
-        </p:style>
-      </p:cxnSp>
       <p:cxnSp>
         <p:nvCxnSpPr>
           <p:cNvPr id="41" name="Elbow Connector 122">
@@ -5775,6 +5735,244 @@
           </a:fillRef>
           <a:effectRef idx="1">
             <a:schemeClr val="accent6"/>
+          </a:effectRef>
+          <a:fontRef idx="minor">
+            <a:schemeClr val="dk1"/>
+          </a:fontRef>
+        </p:style>
+      </p:cxnSp>
+      <p:sp>
+        <p:nvSpPr>
+          <p:cNvPr id="39" name="Rectangle 8">
+            <a:extLst>
+              <a:ext uri="{FF2B5EF4-FFF2-40B4-BE49-F238E27FC236}">
+                <a16:creationId xmlns:a16="http://schemas.microsoft.com/office/drawing/2014/main" id="{5C4F05C6-9C81-49EA-A111-45C3E6B81820}"/>
+              </a:ext>
+            </a:extLst>
+          </p:cNvPr>
+          <p:cNvSpPr/>
+          <p:nvPr/>
+        </p:nvSpPr>
+        <p:spPr>
+          <a:xfrm>
+            <a:off x="2287478" y="4354564"/>
+            <a:ext cx="1323049" cy="346760"/>
+          </a:xfrm>
+          <a:prstGeom prst="rect">
+            <a:avLst/>
+          </a:prstGeom>
+          <a:solidFill>
+            <a:schemeClr val="accent6">
+              <a:lumMod val="75000"/>
+            </a:schemeClr>
+          </a:solidFill>
+          <a:ln w="19050">
+            <a:solidFill>
+              <a:schemeClr val="accent6">
+                <a:lumMod val="75000"/>
+              </a:schemeClr>
+            </a:solidFill>
+          </a:ln>
+          <a:effectLst/>
+        </p:spPr>
+        <p:style>
+          <a:lnRef idx="1">
+            <a:schemeClr val="accent2"/>
+          </a:lnRef>
+          <a:fillRef idx="2">
+            <a:schemeClr val="accent2"/>
+          </a:fillRef>
+          <a:effectRef idx="1">
+            <a:schemeClr val="accent2"/>
+          </a:effectRef>
+          <a:fontRef idx="minor">
+            <a:schemeClr val="dk1"/>
+          </a:fontRef>
+        </p:style>
+        <p:txBody>
+          <a:bodyPr rtlCol="0" anchor="ctr"/>
+          <a:lstStyle/>
+          <a:p>
+            <a:pPr algn="ctr"/>
+            <a:r>
+              <a:rPr lang="en-US" sz="1050" dirty="0">
+                <a:solidFill>
+                  <a:schemeClr val="bg1"/>
+                </a:solidFill>
+              </a:rPr>
+              <a:t>&lt;&lt;interface&gt;&gt;</a:t>
+            </a:r>
+            <a:br>
+              <a:rPr lang="en-US" sz="1050" dirty="0">
+                <a:solidFill>
+                  <a:schemeClr val="bg1"/>
+                </a:solidFill>
+              </a:rPr>
+            </a:br>
+            <a:r>
+              <a:rPr lang="en-US" sz="1050" dirty="0" err="1">
+                <a:solidFill>
+                  <a:schemeClr val="bg1"/>
+                </a:solidFill>
+              </a:rPr>
+              <a:t>TriviaResultsStorage</a:t>
+            </a:r>
+            <a:endParaRPr lang="en-SG" sz="1050" dirty="0">
+              <a:solidFill>
+                <a:schemeClr val="bg1"/>
+              </a:solidFill>
+            </a:endParaRPr>
+          </a:p>
+        </p:txBody>
+      </p:sp>
+      <p:cxnSp>
+        <p:nvCxnSpPr>
+          <p:cNvPr id="40" name="Straight Arrow Connector 39">
+            <a:extLst>
+              <a:ext uri="{FF2B5EF4-FFF2-40B4-BE49-F238E27FC236}">
+                <a16:creationId xmlns:a16="http://schemas.microsoft.com/office/drawing/2014/main" id="{1EC10A1E-C88A-4435-9AF1-B78267DF0666}"/>
+              </a:ext>
+            </a:extLst>
+          </p:cNvPr>
+          <p:cNvCxnSpPr>
+            <a:cxnSpLocks/>
+          </p:cNvCxnSpPr>
+          <p:nvPr/>
+        </p:nvCxnSpPr>
+        <p:spPr>
+          <a:xfrm>
+            <a:off x="1644315" y="4524150"/>
+            <a:ext cx="643163" cy="0"/>
+          </a:xfrm>
+          <a:prstGeom prst="straightConnector1">
+            <a:avLst/>
+          </a:prstGeom>
+          <a:ln w="19050">
+            <a:solidFill>
+              <a:schemeClr val="accent6">
+                <a:lumMod val="75000"/>
+              </a:schemeClr>
+            </a:solidFill>
+            <a:headEnd type="none" w="med" len="med"/>
+            <a:tailEnd type="arrow" w="med" len="med"/>
+          </a:ln>
+          <a:effectLst/>
+        </p:spPr>
+        <p:style>
+          <a:lnRef idx="1">
+            <a:schemeClr val="accent2"/>
+          </a:lnRef>
+          <a:fillRef idx="2">
+            <a:schemeClr val="accent2"/>
+          </a:fillRef>
+          <a:effectRef idx="1">
+            <a:schemeClr val="accent2"/>
+          </a:effectRef>
+          <a:fontRef idx="minor">
+            <a:schemeClr val="dk1"/>
+          </a:fontRef>
+        </p:style>
+      </p:cxnSp>
+      <p:sp>
+        <p:nvSpPr>
+          <p:cNvPr id="43" name="Flowchart: Decision 96">
+            <a:extLst>
+              <a:ext uri="{FF2B5EF4-FFF2-40B4-BE49-F238E27FC236}">
+                <a16:creationId xmlns:a16="http://schemas.microsoft.com/office/drawing/2014/main" id="{3CE2BCF9-D8F1-4F92-8334-833F24F0B035}"/>
+              </a:ext>
+            </a:extLst>
+          </p:cNvPr>
+          <p:cNvSpPr/>
+          <p:nvPr/>
+        </p:nvSpPr>
+        <p:spPr>
+          <a:xfrm rot="5400000">
+            <a:off x="1526291" y="3591237"/>
+            <a:ext cx="236048" cy="173380"/>
+          </a:xfrm>
+          <a:prstGeom prst="flowChartDecision">
+            <a:avLst/>
+          </a:prstGeom>
+          <a:noFill/>
+          <a:ln w="19050">
+            <a:solidFill>
+              <a:schemeClr val="accent6">
+                <a:lumMod val="75000"/>
+              </a:schemeClr>
+            </a:solidFill>
+          </a:ln>
+          <a:effectLst/>
+        </p:spPr>
+        <p:style>
+          <a:lnRef idx="1">
+            <a:schemeClr val="accent2"/>
+          </a:lnRef>
+          <a:fillRef idx="2">
+            <a:schemeClr val="accent2"/>
+          </a:fillRef>
+          <a:effectRef idx="1">
+            <a:schemeClr val="accent2"/>
+          </a:effectRef>
+          <a:fontRef idx="minor">
+            <a:schemeClr val="dk1"/>
+          </a:fontRef>
+        </p:style>
+        <p:txBody>
+          <a:bodyPr rtlCol="0" anchor="ctr"/>
+          <a:lstStyle/>
+          <a:p>
+            <a:pPr algn="ctr"/>
+            <a:endParaRPr lang="en-US" sz="1050">
+              <a:solidFill>
+                <a:schemeClr val="bg1"/>
+              </a:solidFill>
+            </a:endParaRPr>
+          </a:p>
+        </p:txBody>
+      </p:sp>
+      <p:cxnSp>
+        <p:nvCxnSpPr>
+          <p:cNvPr id="44" name="Straight Arrow Connector 43">
+            <a:extLst>
+              <a:ext uri="{FF2B5EF4-FFF2-40B4-BE49-F238E27FC236}">
+                <a16:creationId xmlns:a16="http://schemas.microsoft.com/office/drawing/2014/main" id="{E573CBC6-5DB6-49A6-98BE-3FB44F30394E}"/>
+              </a:ext>
+            </a:extLst>
+          </p:cNvPr>
+          <p:cNvCxnSpPr>
+            <a:cxnSpLocks/>
+            <a:stCxn id="43" idx="3"/>
+          </p:cNvCxnSpPr>
+          <p:nvPr/>
+        </p:nvCxnSpPr>
+        <p:spPr>
+          <a:xfrm>
+            <a:off x="1644315" y="3795951"/>
+            <a:ext cx="0" cy="736191"/>
+          </a:xfrm>
+          <a:prstGeom prst="straightConnector1">
+            <a:avLst/>
+          </a:prstGeom>
+          <a:ln w="19050">
+            <a:solidFill>
+              <a:schemeClr val="accent6">
+                <a:lumMod val="75000"/>
+              </a:schemeClr>
+            </a:solidFill>
+            <a:headEnd type="none" w="med" len="med"/>
+            <a:tailEnd type="none" w="med" len="med"/>
+          </a:ln>
+          <a:effectLst/>
+        </p:spPr>
+        <p:style>
+          <a:lnRef idx="1">
+            <a:schemeClr val="accent2"/>
+          </a:lnRef>
+          <a:fillRef idx="2">
+            <a:schemeClr val="accent2"/>
+          </a:fillRef>
+          <a:effectRef idx="1">
+            <a:schemeClr val="accent2"/>
           </a:effectRef>
           <a:fontRef idx="minor">
             <a:schemeClr val="dk1"/>

--- a/docs/diagrams/StorageComponentClassDiagram.pptx
+++ b/docs/diagrams/StorageComponentClassDiagram.pptx
@@ -129,7 +129,7 @@
 <file path=ppt/revisionInfo.xml><?xml version="1.0" encoding="utf-8"?>
 <p1510:revInfo xmlns:a="http://schemas.openxmlformats.org/drawingml/2006/main" xmlns:r="http://schemas.openxmlformats.org/officeDocument/2006/relationships" xmlns:p1510="http://schemas.microsoft.com/office/powerpoint/2015/10/main">
   <p1510:revLst>
-    <p1510:client id="{E98F4D69-3910-42B5-8F83-489B37FDB09D}" v="9" dt="2018-11-05T14:29:36.188"/>
+    <p1510:client id="{E98F4D69-3910-42B5-8F83-489B37FDB09D}" v="10" dt="2018-11-05T15:44:21.726"/>
   </p1510:revLst>
 </p1510:revInfo>
 </file>
@@ -475,12 +475,12 @@
   <pc:docChgLst>
     <pc:chgData name="Ho Zong Sien" userId="03515f1a-cd05-4b48-bd07-e232f2fd8730" providerId="ADAL" clId="{E98F4D69-3910-42B5-8F83-489B37FDB09D}"/>
     <pc:docChg chg="undo custSel modSld">
-      <pc:chgData name="Ho Zong Sien" userId="03515f1a-cd05-4b48-bd07-e232f2fd8730" providerId="ADAL" clId="{E98F4D69-3910-42B5-8F83-489B37FDB09D}" dt="2018-11-05T14:30:11.757" v="39" actId="14100"/>
+      <pc:chgData name="Ho Zong Sien" userId="03515f1a-cd05-4b48-bd07-e232f2fd8730" providerId="ADAL" clId="{E98F4D69-3910-42B5-8F83-489B37FDB09D}" dt="2018-11-05T15:44:48.766" v="42" actId="1076"/>
       <pc:docMkLst>
         <pc:docMk/>
       </pc:docMkLst>
       <pc:sldChg chg="addSp delSp modSp">
-        <pc:chgData name="Ho Zong Sien" userId="03515f1a-cd05-4b48-bd07-e232f2fd8730" providerId="ADAL" clId="{E98F4D69-3910-42B5-8F83-489B37FDB09D}" dt="2018-11-05T14:30:11.757" v="39" actId="14100"/>
+        <pc:chgData name="Ho Zong Sien" userId="03515f1a-cd05-4b48-bd07-e232f2fd8730" providerId="ADAL" clId="{E98F4D69-3910-42B5-8F83-489B37FDB09D}" dt="2018-11-05T15:44:48.766" v="42" actId="1076"/>
         <pc:sldMkLst>
           <pc:docMk/>
           <pc:sldMk cId="1478832369" sldId="264"/>
@@ -499,6 +499,14 @@
             <pc:docMk/>
             <pc:sldMk cId="1478832369" sldId="264"/>
             <ac:spMk id="43" creationId="{3CE2BCF9-D8F1-4F92-8334-833F24F0B035}"/>
+          </ac:spMkLst>
+        </pc:spChg>
+        <pc:spChg chg="add mod">
+          <ac:chgData name="Ho Zong Sien" userId="03515f1a-cd05-4b48-bd07-e232f2fd8730" providerId="ADAL" clId="{E98F4D69-3910-42B5-8F83-489B37FDB09D}" dt="2018-11-05T15:44:48.766" v="42" actId="1076"/>
+          <ac:spMkLst>
+            <pc:docMk/>
+            <pc:sldMk cId="1478832369" sldId="264"/>
+            <ac:spMk id="46" creationId="{7B2F2344-B820-4913-918B-2BF493A24518}"/>
           </ac:spMkLst>
         </pc:spChg>
         <pc:spChg chg="del mod">
@@ -531,6 +539,14 @@
             <pc:docMk/>
             <pc:sldMk cId="1478832369" sldId="264"/>
             <ac:cxnSpMk id="44" creationId="{E573CBC6-5DB6-49A6-98BE-3FB44F30394E}"/>
+          </ac:cxnSpMkLst>
+        </pc:cxnChg>
+        <pc:cxnChg chg="add mod">
+          <ac:chgData name="Ho Zong Sien" userId="03515f1a-cd05-4b48-bd07-e232f2fd8730" providerId="ADAL" clId="{E98F4D69-3910-42B5-8F83-489B37FDB09D}" dt="2018-11-05T15:44:48.766" v="42" actId="1076"/>
+          <ac:cxnSpMkLst>
+            <pc:docMk/>
+            <pc:sldMk cId="1478832369" sldId="264"/>
+            <ac:cxnSpMk id="45" creationId="{6274C1DA-131F-40DB-8132-F394781A8617}"/>
           </ac:cxnSpMkLst>
         </pc:cxnChg>
         <pc:cxnChg chg="del mod">
@@ -5979,6 +5995,118 @@
           </a:fontRef>
         </p:style>
       </p:cxnSp>
+      <p:cxnSp>
+        <p:nvCxnSpPr>
+          <p:cNvPr id="45" name="Elbow Connector 63">
+            <a:extLst>
+              <a:ext uri="{FF2B5EF4-FFF2-40B4-BE49-F238E27FC236}">
+                <a16:creationId xmlns:a16="http://schemas.microsoft.com/office/drawing/2014/main" id="{6274C1DA-131F-40DB-8132-F394781A8617}"/>
+              </a:ext>
+            </a:extLst>
+          </p:cNvPr>
+          <p:cNvCxnSpPr>
+            <a:stCxn id="46" idx="3"/>
+          </p:cNvCxnSpPr>
+          <p:nvPr/>
+        </p:nvCxnSpPr>
+        <p:spPr>
+          <a:xfrm flipV="1">
+            <a:off x="3803572" y="4532142"/>
+            <a:ext cx="223324" cy="1"/>
+          </a:xfrm>
+          <a:prstGeom prst="bentConnector3">
+            <a:avLst>
+              <a:gd name="adj1" fmla="val 50000"/>
+            </a:avLst>
+          </a:prstGeom>
+          <a:ln w="19050">
+            <a:solidFill>
+              <a:schemeClr val="accent6">
+                <a:lumMod val="75000"/>
+              </a:schemeClr>
+            </a:solidFill>
+            <a:prstDash val="sysDot"/>
+            <a:headEnd type="none" w="med" len="med"/>
+            <a:tailEnd type="none" w="med" len="med"/>
+          </a:ln>
+          <a:effectLst/>
+        </p:spPr>
+        <p:style>
+          <a:lnRef idx="1">
+            <a:schemeClr val="accent2"/>
+          </a:lnRef>
+          <a:fillRef idx="2">
+            <a:schemeClr val="accent2"/>
+          </a:fillRef>
+          <a:effectRef idx="1">
+            <a:schemeClr val="accent2"/>
+          </a:effectRef>
+          <a:fontRef idx="minor">
+            <a:schemeClr val="dk1"/>
+          </a:fontRef>
+        </p:style>
+      </p:cxnSp>
+      <p:sp>
+        <p:nvSpPr>
+          <p:cNvPr id="46" name="Isosceles Triangle 102">
+            <a:extLst>
+              <a:ext uri="{FF2B5EF4-FFF2-40B4-BE49-F238E27FC236}">
+                <a16:creationId xmlns:a16="http://schemas.microsoft.com/office/drawing/2014/main" id="{7B2F2344-B820-4913-918B-2BF493A24518}"/>
+              </a:ext>
+            </a:extLst>
+          </p:cNvPr>
+          <p:cNvSpPr/>
+          <p:nvPr/>
+        </p:nvSpPr>
+        <p:spPr>
+          <a:xfrm rot="5400000" flipV="1">
+            <a:off x="3580558" y="4444381"/>
+            <a:ext cx="270504" cy="175523"/>
+          </a:xfrm>
+          <a:prstGeom prst="triangle">
+            <a:avLst/>
+          </a:prstGeom>
+          <a:solidFill>
+            <a:schemeClr val="accent6">
+              <a:lumMod val="75000"/>
+            </a:schemeClr>
+          </a:solidFill>
+          <a:ln w="19050">
+            <a:solidFill>
+              <a:schemeClr val="accent6">
+                <a:lumMod val="75000"/>
+              </a:schemeClr>
+            </a:solidFill>
+          </a:ln>
+          <a:effectLst/>
+        </p:spPr>
+        <p:style>
+          <a:lnRef idx="1">
+            <a:schemeClr val="accent2"/>
+          </a:lnRef>
+          <a:fillRef idx="2">
+            <a:schemeClr val="accent2"/>
+          </a:fillRef>
+          <a:effectRef idx="1">
+            <a:schemeClr val="accent2"/>
+          </a:effectRef>
+          <a:fontRef idx="minor">
+            <a:schemeClr val="dk1"/>
+          </a:fontRef>
+        </p:style>
+        <p:txBody>
+          <a:bodyPr rtlCol="0" anchor="ctr"/>
+          <a:lstStyle/>
+          <a:p>
+            <a:pPr algn="ctr"/>
+            <a:endParaRPr lang="en-SG" sz="1050">
+              <a:solidFill>
+                <a:schemeClr val="bg1"/>
+              </a:solidFill>
+            </a:endParaRPr>
+          </a:p>
+        </p:txBody>
+      </p:sp>
     </p:spTree>
     <p:extLst>
       <p:ext uri="{BB962C8B-B14F-4D97-AF65-F5344CB8AC3E}">
